--- a/Analyse ton Frigo !.pptx
+++ b/Analyse ton Frigo !.pptx
@@ -16,15 +16,17 @@
     <p:sldId id="260" r:id="rId10"/>
     <p:sldId id="261" r:id="rId11"/>
     <p:sldId id="262" r:id="rId12"/>
-    <p:sldId id="263" r:id="rId13"/>
-    <p:sldId id="264" r:id="rId14"/>
-    <p:sldId id="265" r:id="rId15"/>
-    <p:sldId id="267" r:id="rId16"/>
-    <p:sldId id="268" r:id="rId17"/>
-    <p:sldId id="266" r:id="rId18"/>
-    <p:sldId id="269" r:id="rId19"/>
-    <p:sldId id="270" r:id="rId20"/>
-    <p:sldId id="271" r:id="rId21"/>
+    <p:sldId id="277" r:id="rId13"/>
+    <p:sldId id="263" r:id="rId14"/>
+    <p:sldId id="264" r:id="rId15"/>
+    <p:sldId id="276" r:id="rId16"/>
+    <p:sldId id="265" r:id="rId17"/>
+    <p:sldId id="267" r:id="rId18"/>
+    <p:sldId id="268" r:id="rId19"/>
+    <p:sldId id="266" r:id="rId20"/>
+    <p:sldId id="269" r:id="rId21"/>
+    <p:sldId id="270" r:id="rId22"/>
+    <p:sldId id="271" r:id="rId23"/>
   </p:sldIdLst>
   <p:sldSz cx="12192000" cy="6858000"/>
   <p:notesSz cx="6858000" cy="9144000"/>
@@ -139,8 +141,10 @@
             <p14:sldId id="260"/>
             <p14:sldId id="261"/>
             <p14:sldId id="262"/>
+            <p14:sldId id="277"/>
             <p14:sldId id="263"/>
             <p14:sldId id="264"/>
+            <p14:sldId id="276"/>
             <p14:sldId id="265"/>
             <p14:sldId id="267"/>
             <p14:sldId id="268"/>
@@ -160,7 +164,7 @@
 </file>
 
 <file path=ppt/charts/chart1.xml><?xml version="1.0" encoding="utf-8"?>
-<c:chartSpace xmlns:c="http://schemas.openxmlformats.org/drawingml/2006/chart" xmlns:a="http://schemas.openxmlformats.org/drawingml/2006/main" xmlns:r="http://schemas.openxmlformats.org/officeDocument/2006/relationships" xmlns:c16r2="http://schemas.microsoft.com/office/drawing/2015/06/chart">
+<c:chartSpace xmlns:c="http://schemas.openxmlformats.org/drawingml/2006/chart" xmlns:a="http://schemas.openxmlformats.org/drawingml/2006/main" xmlns:r="http://schemas.openxmlformats.org/officeDocument/2006/relationships">
   <c:date1904 val="0"/>
   <c:lang val="fr-FR"/>
   <c:roundedCorners val="0"/>
@@ -174,6 +178,7 @@
   </mc:AlternateContent>
   <c:chart>
     <c:title>
+      <c:layout/>
       <c:overlay val="0"/>
       <c:spPr>
         <a:noFill/>
@@ -250,7 +255,7 @@
                 </a:outerShdw>
               </a:effectLst>
             </c:spPr>
-            <c:extLst>
+            <c:extLst xmlns:c16r2="http://schemas.microsoft.com/office/drawing/2015/06/chart">
               <c:ext xmlns:c16="http://schemas.microsoft.com/office/drawing/2014/chart" uri="{C3380CC4-5D6E-409C-BE32-E72D297353CC}">
                 <c16:uniqueId val="{00000001-02DD-4D11-83BA-E3F4B3C7BEC9}"/>
               </c:ext>
@@ -274,7 +279,7 @@
                 </a:outerShdw>
               </a:effectLst>
             </c:spPr>
-            <c:extLst>
+            <c:extLst xmlns:c16r2="http://schemas.microsoft.com/office/drawing/2015/06/chart">
               <c:ext xmlns:c16="http://schemas.microsoft.com/office/drawing/2014/chart" uri="{C3380CC4-5D6E-409C-BE32-E72D297353CC}">
                 <c16:uniqueId val="{00000003-02DD-4D11-83BA-E3F4B3C7BEC9}"/>
               </c:ext>
@@ -298,7 +303,7 @@
                 </a:outerShdw>
               </a:effectLst>
             </c:spPr>
-            <c:extLst>
+            <c:extLst xmlns:c16r2="http://schemas.microsoft.com/office/drawing/2015/06/chart">
               <c:ext xmlns:c16="http://schemas.microsoft.com/office/drawing/2014/chart" uri="{C3380CC4-5D6E-409C-BE32-E72D297353CC}">
                 <c16:uniqueId val="{00000005-02DD-4D11-83BA-E3F4B3C7BEC9}"/>
               </c:ext>
@@ -340,11 +345,6 @@
               <c:showSerName val="0"/>
               <c:showPercent val="0"/>
               <c:showBubbleSize val="0"/>
-              <c:extLst>
-                <c:ext xmlns:c16="http://schemas.microsoft.com/office/drawing/2014/chart" uri="{C3380CC4-5D6E-409C-BE32-E72D297353CC}">
-                  <c16:uniqueId val="{00000001-02DD-4D11-83BA-E3F4B3C7BEC9}"/>
-                </c:ext>
-              </c:extLst>
             </c:dLbl>
             <c:dLbl>
               <c:idx val="1"/>
@@ -381,11 +381,6 @@
               <c:showSerName val="0"/>
               <c:showPercent val="0"/>
               <c:showBubbleSize val="0"/>
-              <c:extLst>
-                <c:ext xmlns:c16="http://schemas.microsoft.com/office/drawing/2014/chart" uri="{C3380CC4-5D6E-409C-BE32-E72D297353CC}">
-                  <c16:uniqueId val="{00000003-02DD-4D11-83BA-E3F4B3C7BEC9}"/>
-                </c:ext>
-              </c:extLst>
             </c:dLbl>
             <c:dLbl>
               <c:idx val="2"/>
@@ -422,11 +417,6 @@
               <c:showSerName val="0"/>
               <c:showPercent val="0"/>
               <c:showBubbleSize val="0"/>
-              <c:extLst>
-                <c:ext xmlns:c16="http://schemas.microsoft.com/office/drawing/2014/chart" uri="{C3380CC4-5D6E-409C-BE32-E72D297353CC}">
-                  <c16:uniqueId val="{00000005-02DD-4D11-83BA-E3F4B3C7BEC9}"/>
-                </c:ext>
-              </c:extLst>
             </c:dLbl>
             <c:spPr>
               <a:noFill/>
@@ -457,7 +447,7 @@
                 <a:effectLst/>
               </c:spPr>
             </c:leaderLines>
-            <c:extLst>
+            <c:extLst xmlns:c16r2="http://schemas.microsoft.com/office/drawing/2015/06/chart">
               <c:ext xmlns:c15="http://schemas.microsoft.com/office/drawing/2012/chart" uri="{CE6537A1-D6FC-4f65-9D91-7224C49458BB}"/>
             </c:extLst>
           </c:dLbls>
@@ -496,7 +486,7 @@
               </c:numCache>
             </c:numRef>
           </c:val>
-          <c:extLst>
+          <c:extLst xmlns:c16r2="http://schemas.microsoft.com/office/drawing/2015/06/chart">
             <c:ext xmlns:c16="http://schemas.microsoft.com/office/drawing/2014/chart" uri="{C3380CC4-5D6E-409C-BE32-E72D297353CC}">
               <c16:uniqueId val="{00000006-02DD-4D11-83BA-E3F4B3C7BEC9}"/>
             </c:ext>
@@ -1126,7 +1116,7 @@
         <cdr:cNvPr id="2" name="ZoneTexte 11">
           <a:extLst xmlns:a="http://schemas.openxmlformats.org/drawingml/2006/main">
             <a:ext uri="{FF2B5EF4-FFF2-40B4-BE49-F238E27FC236}">
-              <a16:creationId xmlns:a16="http://schemas.microsoft.com/office/drawing/2014/main" id="{C5FFB731-E983-4849-93C7-0CF0484CA590}"/>
+              <a16:creationId xmlns:a16="http://schemas.microsoft.com/office/drawing/2014/main" xmlns="" id="{C5FFB731-E983-4849-93C7-0CF0484CA590}"/>
             </a:ext>
           </a:extLst>
         </cdr:cNvPr>
@@ -1364,7 +1354,7 @@
         <cdr:cNvPr id="3" name="ZoneTexte 8">
           <a:extLst xmlns:a="http://schemas.openxmlformats.org/drawingml/2006/main">
             <a:ext uri="{FF2B5EF4-FFF2-40B4-BE49-F238E27FC236}">
-              <a16:creationId xmlns:a16="http://schemas.microsoft.com/office/drawing/2014/main" id="{756AC40B-CA4F-488E-87FA-4CF108D2E369}"/>
+              <a16:creationId xmlns:a16="http://schemas.microsoft.com/office/drawing/2014/main" xmlns="" id="{756AC40B-CA4F-488E-87FA-4CF108D2E369}"/>
             </a:ext>
           </a:extLst>
         </cdr:cNvPr>
@@ -1582,7 +1572,7 @@
         <cdr:cNvPr id="4" name="ZoneTexte 10">
           <a:extLst xmlns:a="http://schemas.openxmlformats.org/drawingml/2006/main">
             <a:ext uri="{FF2B5EF4-FFF2-40B4-BE49-F238E27FC236}">
-              <a16:creationId xmlns:a16="http://schemas.microsoft.com/office/drawing/2014/main" id="{1B2001A9-0CC0-4AAA-BEDA-8027E964ED90}"/>
+              <a16:creationId xmlns:a16="http://schemas.microsoft.com/office/drawing/2014/main" xmlns="" id="{1B2001A9-0CC0-4AAA-BEDA-8027E964ED90}"/>
             </a:ext>
           </a:extLst>
         </cdr:cNvPr>
@@ -1951,7 +1941,7 @@
             <a:fld id="{87DE6118-2437-4B30-8E3C-4D2BE6020583}" type="datetimeFigureOut">
               <a:rPr lang="en-US" dirty="0"/>
               <a:pPr/>
-              <a:t>1/20/2021</a:t>
+              <a:t>1/21/2021</a:t>
             </a:fld>
             <a:endParaRPr lang="en-US" dirty="0"/>
           </a:p>
@@ -2277,7 +2267,7 @@
           <a:p>
             <a:fld id="{87DE6118-2437-4B30-8E3C-4D2BE6020583}" type="datetimeFigureOut">
               <a:rPr lang="en-US" dirty="0"/>
-              <a:t>1/20/2021</a:t>
+              <a:t>1/21/2021</a:t>
             </a:fld>
             <a:endParaRPr lang="en-US" dirty="0"/>
           </a:p>
@@ -2452,7 +2442,7 @@
           <a:p>
             <a:fld id="{87DE6118-2437-4B30-8E3C-4D2BE6020583}" type="datetimeFigureOut">
               <a:rPr lang="en-US" dirty="0"/>
-              <a:t>1/20/2021</a:t>
+              <a:t>1/21/2021</a:t>
             </a:fld>
             <a:endParaRPr lang="en-US" dirty="0"/>
           </a:p>
@@ -2617,7 +2607,7 @@
           <a:p>
             <a:fld id="{87DE6118-2437-4B30-8E3C-4D2BE6020583}" type="datetimeFigureOut">
               <a:rPr lang="en-US" dirty="0"/>
-              <a:t>1/20/2021</a:t>
+              <a:t>1/21/2021</a:t>
             </a:fld>
             <a:endParaRPr lang="en-US" dirty="0"/>
           </a:p>
@@ -2890,7 +2880,7 @@
             <a:fld id="{87DE6118-2437-4B30-8E3C-4D2BE6020583}" type="datetimeFigureOut">
               <a:rPr lang="en-US" dirty="0"/>
               <a:pPr/>
-              <a:t>1/20/2021</a:t>
+              <a:t>1/21/2021</a:t>
             </a:fld>
             <a:endParaRPr lang="en-US" dirty="0"/>
           </a:p>
@@ -3280,7 +3270,7 @@
           <a:p>
             <a:fld id="{87DE6118-2437-4B30-8E3C-4D2BE6020583}" type="datetimeFigureOut">
               <a:rPr lang="en-US" dirty="0"/>
-              <a:t>1/20/2021</a:t>
+              <a:t>1/21/2021</a:t>
             </a:fld>
             <a:endParaRPr lang="en-US" dirty="0"/>
           </a:p>
@@ -3752,7 +3742,7 @@
           <a:p>
             <a:fld id="{87DE6118-2437-4B30-8E3C-4D2BE6020583}" type="datetimeFigureOut">
               <a:rPr lang="en-US" dirty="0"/>
-              <a:t>1/20/2021</a:t>
+              <a:t>1/21/2021</a:t>
             </a:fld>
             <a:endParaRPr lang="en-US" dirty="0"/>
           </a:p>
@@ -3865,7 +3855,7 @@
           <a:p>
             <a:fld id="{87DE6118-2437-4B30-8E3C-4D2BE6020583}" type="datetimeFigureOut">
               <a:rPr lang="en-US" dirty="0"/>
-              <a:t>1/20/2021</a:t>
+              <a:t>1/21/2021</a:t>
             </a:fld>
             <a:endParaRPr lang="en-US" dirty="0"/>
           </a:p>
@@ -3955,7 +3945,7 @@
           <a:p>
             <a:fld id="{87DE6118-2437-4B30-8E3C-4D2BE6020583}" type="datetimeFigureOut">
               <a:rPr lang="en-US" dirty="0"/>
-              <a:t>1/20/2021</a:t>
+              <a:t>1/21/2021</a:t>
             </a:fld>
             <a:endParaRPr lang="en-US" dirty="0"/>
           </a:p>
@@ -4297,7 +4287,7 @@
             <a:fld id="{87DE6118-2437-4B30-8E3C-4D2BE6020583}" type="datetimeFigureOut">
               <a:rPr lang="en-US" dirty="0"/>
               <a:pPr/>
-              <a:t>1/20/2021</a:t>
+              <a:t>1/21/2021</a:t>
             </a:fld>
             <a:endParaRPr lang="en-US" dirty="0"/>
           </a:p>
@@ -4682,7 +4672,7 @@
             <a:fld id="{87DE6118-2437-4B30-8E3C-4D2BE6020583}" type="datetimeFigureOut">
               <a:rPr lang="en-US" dirty="0"/>
               <a:pPr/>
-              <a:t>1/20/2021</a:t>
+              <a:t>1/21/2021</a:t>
             </a:fld>
             <a:endParaRPr lang="en-US" dirty="0"/>
           </a:p>
@@ -4957,7 +4947,7 @@
             <a:fld id="{87DE6118-2437-4B30-8E3C-4D2BE6020583}" type="datetimeFigureOut">
               <a:rPr lang="en-US" dirty="0"/>
               <a:pPr/>
-              <a:t>1/20/2021</a:t>
+              <a:t>1/21/2021</a:t>
             </a:fld>
             <a:endParaRPr lang="en-US" dirty="0"/>
           </a:p>
@@ -5470,7 +5460,7 @@
           <p:cNvPr id="2" name="Titre 1">
             <a:extLst>
               <a:ext uri="{FF2B5EF4-FFF2-40B4-BE49-F238E27FC236}">
-                <a16:creationId xmlns:a16="http://schemas.microsoft.com/office/drawing/2014/main" id="{2B4A5DCD-CDE6-4C88-BADA-AE5CB14E1E29}"/>
+                <a16:creationId xmlns:a16="http://schemas.microsoft.com/office/drawing/2014/main" xmlns="" id="{2B4A5DCD-CDE6-4C88-BADA-AE5CB14E1E29}"/>
               </a:ext>
             </a:extLst>
           </p:cNvPr>
@@ -5503,7 +5493,7 @@
           <p:cNvPr id="3" name="Sous-titre 2">
             <a:extLst>
               <a:ext uri="{FF2B5EF4-FFF2-40B4-BE49-F238E27FC236}">
-                <a16:creationId xmlns:a16="http://schemas.microsoft.com/office/drawing/2014/main" id="{ABB96158-6D1C-4E2F-88DF-388630DA7F03}"/>
+                <a16:creationId xmlns:a16="http://schemas.microsoft.com/office/drawing/2014/main" xmlns="" id="{ABB96158-6D1C-4E2F-88DF-388630DA7F03}"/>
               </a:ext>
             </a:extLst>
           </p:cNvPr>
@@ -5542,7 +5532,7 @@
           <p:cNvPr id="4" name="ZoneTexte 3">
             <a:extLst>
               <a:ext uri="{FF2B5EF4-FFF2-40B4-BE49-F238E27FC236}">
-                <a16:creationId xmlns:a16="http://schemas.microsoft.com/office/drawing/2014/main" id="{A60D6EF1-1A1E-498D-99DA-F5CF6BA79AB4}"/>
+                <a16:creationId xmlns:a16="http://schemas.microsoft.com/office/drawing/2014/main" xmlns="" id="{A60D6EF1-1A1E-498D-99DA-F5CF6BA79AB4}"/>
               </a:ext>
             </a:extLst>
           </p:cNvPr>
@@ -5586,7 +5576,7 @@
           <p:cNvPr id="5" name="Image 4">
             <a:extLst>
               <a:ext uri="{FF2B5EF4-FFF2-40B4-BE49-F238E27FC236}">
-                <a16:creationId xmlns:a16="http://schemas.microsoft.com/office/drawing/2014/main" id="{597916A6-50D6-43E6-8F99-32DED9322C87}"/>
+                <a16:creationId xmlns:a16="http://schemas.microsoft.com/office/drawing/2014/main" xmlns="" id="{597916A6-50D6-43E6-8F99-32DED9322C87}"/>
               </a:ext>
             </a:extLst>
           </p:cNvPr>
@@ -5616,7 +5606,7 @@
           <p:cNvPr id="6" name="ZoneTexte 5">
             <a:extLst>
               <a:ext uri="{FF2B5EF4-FFF2-40B4-BE49-F238E27FC236}">
-                <a16:creationId xmlns:a16="http://schemas.microsoft.com/office/drawing/2014/main" id="{864A8768-03E5-4CF4-949D-BBEB24F94155}"/>
+                <a16:creationId xmlns:a16="http://schemas.microsoft.com/office/drawing/2014/main" xmlns="" id="{864A8768-03E5-4CF4-949D-BBEB24F94155}"/>
               </a:ext>
             </a:extLst>
           </p:cNvPr>
@@ -5682,7 +5672,7 @@
           <p:cNvPr id="2" name="Titre 1">
             <a:extLst>
               <a:ext uri="{FF2B5EF4-FFF2-40B4-BE49-F238E27FC236}">
-                <a16:creationId xmlns:a16="http://schemas.microsoft.com/office/drawing/2014/main" id="{C2EBEEBC-9D60-459E-B554-BE9221405D3E}"/>
+                <a16:creationId xmlns:a16="http://schemas.microsoft.com/office/drawing/2014/main" xmlns="" id="{C2EBEEBC-9D60-459E-B554-BE9221405D3E}"/>
               </a:ext>
             </a:extLst>
           </p:cNvPr>
@@ -5710,7 +5700,7 @@
           <p:cNvPr id="4" name="Picture 4" descr="Aucune description disponible.">
             <a:extLst>
               <a:ext uri="{FF2B5EF4-FFF2-40B4-BE49-F238E27FC236}">
-                <a16:creationId xmlns:a16="http://schemas.microsoft.com/office/drawing/2014/main" id="{91EFE4BF-C679-48EF-B614-1A202CAF98B7}"/>
+                <a16:creationId xmlns:a16="http://schemas.microsoft.com/office/drawing/2014/main" xmlns="" id="{91EFE4BF-C679-48EF-B614-1A202CAF98B7}"/>
               </a:ext>
             </a:extLst>
           </p:cNvPr>
@@ -5757,7 +5747,7 @@
           <p:cNvPr id="6" name="Picture 2" descr="Aucune description disponible.">
             <a:extLst>
               <a:ext uri="{FF2B5EF4-FFF2-40B4-BE49-F238E27FC236}">
-                <a16:creationId xmlns:a16="http://schemas.microsoft.com/office/drawing/2014/main" id="{DFEAB2B0-12DF-4D7D-9F07-9B11E25B6CC9}"/>
+                <a16:creationId xmlns:a16="http://schemas.microsoft.com/office/drawing/2014/main" xmlns="" id="{DFEAB2B0-12DF-4D7D-9F07-9B11E25B6CC9}"/>
               </a:ext>
             </a:extLst>
           </p:cNvPr>
@@ -5804,7 +5794,7 @@
           <p:cNvPr id="5" name="Image 4">
             <a:extLst>
               <a:ext uri="{FF2B5EF4-FFF2-40B4-BE49-F238E27FC236}">
-                <a16:creationId xmlns:a16="http://schemas.microsoft.com/office/drawing/2014/main" id="{EF045229-5B5F-45E4-8344-3105DFC12B30}"/>
+                <a16:creationId xmlns:a16="http://schemas.microsoft.com/office/drawing/2014/main" xmlns="" id="{EF045229-5B5F-45E4-8344-3105DFC12B30}"/>
               </a:ext>
             </a:extLst>
           </p:cNvPr>
@@ -5864,7 +5854,7 @@
           <p:cNvPr id="2" name="Titre 1">
             <a:extLst>
               <a:ext uri="{FF2B5EF4-FFF2-40B4-BE49-F238E27FC236}">
-                <a16:creationId xmlns:a16="http://schemas.microsoft.com/office/drawing/2014/main" id="{49DDB92E-EE1C-47EE-B325-0876752918A6}"/>
+                <a16:creationId xmlns:a16="http://schemas.microsoft.com/office/drawing/2014/main" xmlns="" id="{49DDB92E-EE1C-47EE-B325-0876752918A6}"/>
               </a:ext>
             </a:extLst>
           </p:cNvPr>
@@ -5887,12 +5877,428 @@
           </a:p>
         </p:txBody>
       </p:sp>
+      <p:grpSp>
+        <p:nvGrpSpPr>
+          <p:cNvPr id="20" name="Groupe 19"/>
+          <p:cNvGrpSpPr/>
+          <p:nvPr/>
+        </p:nvGrpSpPr>
+        <p:grpSpPr>
+          <a:xfrm>
+            <a:off x="1371600" y="3029979"/>
+            <a:ext cx="9616129" cy="1144717"/>
+            <a:chOff x="1589903" y="3219450"/>
+            <a:chExt cx="9616129" cy="1144717"/>
+          </a:xfrm>
+        </p:grpSpPr>
+        <p:sp>
+          <p:nvSpPr>
+            <p:cNvPr id="8" name="Rectangle à coins arrondis 7"/>
+            <p:cNvSpPr/>
+            <p:nvPr/>
+          </p:nvSpPr>
+          <p:spPr>
+            <a:xfrm>
+              <a:off x="1589903" y="3219450"/>
+              <a:ext cx="1622854" cy="1138366"/>
+            </a:xfrm>
+            <a:prstGeom prst="roundRect">
+              <a:avLst/>
+            </a:prstGeom>
+          </p:spPr>
+          <p:style>
+            <a:lnRef idx="2">
+              <a:schemeClr val="accent1">
+                <a:shade val="50000"/>
+              </a:schemeClr>
+            </a:lnRef>
+            <a:fillRef idx="1">
+              <a:schemeClr val="accent1"/>
+            </a:fillRef>
+            <a:effectRef idx="0">
+              <a:schemeClr val="accent1"/>
+            </a:effectRef>
+            <a:fontRef idx="minor">
+              <a:schemeClr val="lt1"/>
+            </a:fontRef>
+          </p:style>
+          <p:txBody>
+            <a:bodyPr rtlCol="0" anchor="ctr"/>
+            <a:lstStyle/>
+            <a:p>
+              <a:pPr algn="ctr"/>
+              <a:r>
+                <a:rPr lang="fr-FR" dirty="0" smtClean="0"/>
+                <a:t>Création de </a:t>
+              </a:r>
+              <a:r>
+                <a:rPr lang="fr-FR" dirty="0" err="1" smtClean="0"/>
+                <a:t>dataset</a:t>
+              </a:r>
+              <a:endParaRPr lang="fr-FR" dirty="0"/>
+            </a:p>
+          </p:txBody>
+        </p:sp>
+        <p:sp>
+          <p:nvSpPr>
+            <p:cNvPr id="9" name="Flèche droite 8"/>
+            <p:cNvSpPr/>
+            <p:nvPr/>
+          </p:nvSpPr>
+          <p:spPr>
+            <a:xfrm>
+              <a:off x="3430544" y="3607400"/>
+              <a:ext cx="605997" cy="362465"/>
+            </a:xfrm>
+            <a:prstGeom prst="rightArrow">
+              <a:avLst/>
+            </a:prstGeom>
+          </p:spPr>
+          <p:style>
+            <a:lnRef idx="2">
+              <a:schemeClr val="accent1">
+                <a:shade val="50000"/>
+              </a:schemeClr>
+            </a:lnRef>
+            <a:fillRef idx="1">
+              <a:schemeClr val="accent1"/>
+            </a:fillRef>
+            <a:effectRef idx="0">
+              <a:schemeClr val="accent1"/>
+            </a:effectRef>
+            <a:fontRef idx="minor">
+              <a:schemeClr val="lt1"/>
+            </a:fontRef>
+          </p:style>
+          <p:txBody>
+            <a:bodyPr rtlCol="0" anchor="ctr"/>
+            <a:lstStyle/>
+            <a:p>
+              <a:pPr algn="ctr"/>
+              <a:endParaRPr lang="fr-FR"/>
+            </a:p>
+          </p:txBody>
+        </p:sp>
+        <p:sp>
+          <p:nvSpPr>
+            <p:cNvPr id="11" name="Rectangle à coins arrondis 10"/>
+            <p:cNvSpPr/>
+            <p:nvPr/>
+          </p:nvSpPr>
+          <p:spPr>
+            <a:xfrm>
+              <a:off x="4254328" y="3219450"/>
+              <a:ext cx="1622854" cy="1138366"/>
+            </a:xfrm>
+            <a:prstGeom prst="roundRect">
+              <a:avLst/>
+            </a:prstGeom>
+          </p:spPr>
+          <p:style>
+            <a:lnRef idx="2">
+              <a:schemeClr val="accent1">
+                <a:shade val="50000"/>
+              </a:schemeClr>
+            </a:lnRef>
+            <a:fillRef idx="1">
+              <a:schemeClr val="accent1"/>
+            </a:fillRef>
+            <a:effectRef idx="0">
+              <a:schemeClr val="accent1"/>
+            </a:effectRef>
+            <a:fontRef idx="minor">
+              <a:schemeClr val="lt1"/>
+            </a:fontRef>
+          </p:style>
+          <p:txBody>
+            <a:bodyPr rtlCol="0" anchor="ctr"/>
+            <a:lstStyle/>
+            <a:p>
+              <a:pPr algn="ctr"/>
+              <a:r>
+                <a:rPr lang="fr-FR" dirty="0" smtClean="0"/>
+                <a:t>Labélisation</a:t>
+              </a:r>
+              <a:endParaRPr lang="fr-FR" dirty="0"/>
+            </a:p>
+          </p:txBody>
+        </p:sp>
+        <p:sp>
+          <p:nvSpPr>
+            <p:cNvPr id="12" name="Flèche droite 11"/>
+            <p:cNvSpPr/>
+            <p:nvPr/>
+          </p:nvSpPr>
+          <p:spPr>
+            <a:xfrm>
+              <a:off x="6094969" y="3607400"/>
+              <a:ext cx="605997" cy="362465"/>
+            </a:xfrm>
+            <a:prstGeom prst="rightArrow">
+              <a:avLst/>
+            </a:prstGeom>
+          </p:spPr>
+          <p:style>
+            <a:lnRef idx="2">
+              <a:schemeClr val="accent1">
+                <a:shade val="50000"/>
+              </a:schemeClr>
+            </a:lnRef>
+            <a:fillRef idx="1">
+              <a:schemeClr val="accent1"/>
+            </a:fillRef>
+            <a:effectRef idx="0">
+              <a:schemeClr val="accent1"/>
+            </a:effectRef>
+            <a:fontRef idx="minor">
+              <a:schemeClr val="lt1"/>
+            </a:fontRef>
+          </p:style>
+          <p:txBody>
+            <a:bodyPr rtlCol="0" anchor="ctr"/>
+            <a:lstStyle/>
+            <a:p>
+              <a:pPr algn="ctr"/>
+              <a:endParaRPr lang="fr-FR"/>
+            </a:p>
+          </p:txBody>
+        </p:sp>
+        <p:sp>
+          <p:nvSpPr>
+            <p:cNvPr id="13" name="Rectangle à coins arrondis 12"/>
+            <p:cNvSpPr/>
+            <p:nvPr/>
+          </p:nvSpPr>
+          <p:spPr>
+            <a:xfrm>
+              <a:off x="6918753" y="3219450"/>
+              <a:ext cx="1622854" cy="1138366"/>
+            </a:xfrm>
+            <a:prstGeom prst="roundRect">
+              <a:avLst/>
+            </a:prstGeom>
+          </p:spPr>
+          <p:style>
+            <a:lnRef idx="2">
+              <a:schemeClr val="accent1">
+                <a:shade val="50000"/>
+              </a:schemeClr>
+            </a:lnRef>
+            <a:fillRef idx="1">
+              <a:schemeClr val="accent1"/>
+            </a:fillRef>
+            <a:effectRef idx="0">
+              <a:schemeClr val="accent1"/>
+            </a:effectRef>
+            <a:fontRef idx="minor">
+              <a:schemeClr val="lt1"/>
+            </a:fontRef>
+          </p:style>
+          <p:txBody>
+            <a:bodyPr rtlCol="0" anchor="ctr"/>
+            <a:lstStyle/>
+            <a:p>
+              <a:pPr algn="ctr"/>
+              <a:r>
+                <a:rPr lang="fr-FR" dirty="0" smtClean="0"/>
+                <a:t>Entrainement du réseau</a:t>
+              </a:r>
+              <a:endParaRPr lang="fr-FR" dirty="0"/>
+            </a:p>
+          </p:txBody>
+        </p:sp>
+        <p:sp>
+          <p:nvSpPr>
+            <p:cNvPr id="14" name="Flèche droite 13"/>
+            <p:cNvSpPr/>
+            <p:nvPr/>
+          </p:nvSpPr>
+          <p:spPr>
+            <a:xfrm>
+              <a:off x="8759394" y="3607400"/>
+              <a:ext cx="605997" cy="362465"/>
+            </a:xfrm>
+            <a:prstGeom prst="rightArrow">
+              <a:avLst/>
+            </a:prstGeom>
+          </p:spPr>
+          <p:style>
+            <a:lnRef idx="2">
+              <a:schemeClr val="accent1">
+                <a:shade val="50000"/>
+              </a:schemeClr>
+            </a:lnRef>
+            <a:fillRef idx="1">
+              <a:schemeClr val="accent1"/>
+            </a:fillRef>
+            <a:effectRef idx="0">
+              <a:schemeClr val="accent1"/>
+            </a:effectRef>
+            <a:fontRef idx="minor">
+              <a:schemeClr val="lt1"/>
+            </a:fontRef>
+          </p:style>
+          <p:txBody>
+            <a:bodyPr rtlCol="0" anchor="ctr"/>
+            <a:lstStyle/>
+            <a:p>
+              <a:pPr algn="ctr"/>
+              <a:endParaRPr lang="fr-FR"/>
+            </a:p>
+          </p:txBody>
+        </p:sp>
+        <p:sp>
+          <p:nvSpPr>
+            <p:cNvPr id="15" name="Rectangle à coins arrondis 14"/>
+            <p:cNvSpPr/>
+            <p:nvPr/>
+          </p:nvSpPr>
+          <p:spPr>
+            <a:xfrm>
+              <a:off x="9583178" y="3219450"/>
+              <a:ext cx="1622854" cy="1138366"/>
+            </a:xfrm>
+            <a:prstGeom prst="roundRect">
+              <a:avLst/>
+            </a:prstGeom>
+          </p:spPr>
+          <p:style>
+            <a:lnRef idx="2">
+              <a:schemeClr val="accent1">
+                <a:shade val="50000"/>
+              </a:schemeClr>
+            </a:lnRef>
+            <a:fillRef idx="1">
+              <a:schemeClr val="accent1"/>
+            </a:fillRef>
+            <a:effectRef idx="0">
+              <a:schemeClr val="accent1"/>
+            </a:effectRef>
+            <a:fontRef idx="minor">
+              <a:schemeClr val="lt1"/>
+            </a:fontRef>
+          </p:style>
+          <p:txBody>
+            <a:bodyPr rtlCol="0" anchor="ctr"/>
+            <a:lstStyle/>
+            <a:p>
+              <a:pPr algn="ctr"/>
+              <a:r>
+                <a:rPr lang="fr-FR" dirty="0" smtClean="0"/>
+                <a:t>Phase de test</a:t>
+              </a:r>
+              <a:endParaRPr lang="fr-FR" dirty="0"/>
+            </a:p>
+          </p:txBody>
+        </p:sp>
+        <p:cxnSp>
+          <p:nvCxnSpPr>
+            <p:cNvPr id="19" name="Connecteur en angle 18"/>
+            <p:cNvCxnSpPr>
+              <a:stCxn id="15" idx="2"/>
+              <a:endCxn id="8" idx="2"/>
+            </p:cNvCxnSpPr>
+            <p:nvPr/>
+          </p:nvCxnSpPr>
+          <p:spPr>
+            <a:xfrm rot="5400000">
+              <a:off x="6397968" y="361179"/>
+              <a:ext cx="12700" cy="7993275"/>
+            </a:xfrm>
+            <a:prstGeom prst="bentConnector3">
+              <a:avLst>
+                <a:gd name="adj1" fmla="val 1800000"/>
+              </a:avLst>
+            </a:prstGeom>
+            <a:ln>
+              <a:tailEnd type="triangle"/>
+            </a:ln>
+          </p:spPr>
+          <p:style>
+            <a:lnRef idx="1">
+              <a:schemeClr val="accent1"/>
+            </a:lnRef>
+            <a:fillRef idx="0">
+              <a:schemeClr val="accent1"/>
+            </a:fillRef>
+            <a:effectRef idx="0">
+              <a:schemeClr val="accent1"/>
+            </a:effectRef>
+            <a:fontRef idx="minor">
+              <a:schemeClr val="tx1"/>
+            </a:fontRef>
+          </p:style>
+        </p:cxnSp>
+      </p:grpSp>
+    </p:spTree>
+    <p:extLst>
+      <p:ext uri="{BB962C8B-B14F-4D97-AF65-F5344CB8AC3E}">
+        <p14:creationId xmlns:p14="http://schemas.microsoft.com/office/powerpoint/2010/main" val="2184287671"/>
+      </p:ext>
+    </p:extLst>
+  </p:cSld>
+  <p:clrMapOvr>
+    <a:masterClrMapping/>
+  </p:clrMapOvr>
+</p:sld>
+</file>
+
+<file path=ppt/slides/slide12.xml><?xml version="1.0" encoding="utf-8"?>
+<p:sld xmlns:a="http://schemas.openxmlformats.org/drawingml/2006/main" xmlns:r="http://schemas.openxmlformats.org/officeDocument/2006/relationships" xmlns:p="http://schemas.openxmlformats.org/presentationml/2006/main">
+  <p:cSld>
+    <p:spTree>
+      <p:nvGrpSpPr>
+        <p:cNvPr id="1" name=""/>
+        <p:cNvGrpSpPr/>
+        <p:nvPr/>
+      </p:nvGrpSpPr>
+      <p:grpSpPr>
+        <a:xfrm>
+          <a:off x="0" y="0"/>
+          <a:ext cx="0" cy="0"/>
+          <a:chOff x="0" y="0"/>
+          <a:chExt cx="0" cy="0"/>
+        </a:xfrm>
+      </p:grpSpPr>
+      <p:sp>
+        <p:nvSpPr>
+          <p:cNvPr id="2" name="Titre 1">
+            <a:extLst>
+              <a:ext uri="{FF2B5EF4-FFF2-40B4-BE49-F238E27FC236}">
+                <a16:creationId xmlns:a16="http://schemas.microsoft.com/office/drawing/2014/main" xmlns="" id="{49DDB92E-EE1C-47EE-B325-0876752918A6}"/>
+              </a:ext>
+            </a:extLst>
+          </p:cNvPr>
+          <p:cNvSpPr>
+            <a:spLocks noGrp="1"/>
+          </p:cNvSpPr>
+          <p:nvPr>
+            <p:ph type="title"/>
+          </p:nvPr>
+        </p:nvSpPr>
+        <p:spPr/>
+        <p:txBody>
+          <a:bodyPr/>
+          <a:lstStyle/>
+          <a:p>
+            <a:r>
+              <a:rPr lang="fr-FR" dirty="0"/>
+              <a:t>Création de </a:t>
+            </a:r>
+            <a:r>
+              <a:rPr lang="fr-FR" dirty="0" err="1" smtClean="0"/>
+              <a:t>dataset</a:t>
+            </a:r>
+            <a:endParaRPr lang="fr-FR" dirty="0"/>
+          </a:p>
+        </p:txBody>
+      </p:sp>
       <p:sp>
         <p:nvSpPr>
           <p:cNvPr id="3" name="Espace réservé du contenu 2">
             <a:extLst>
               <a:ext uri="{FF2B5EF4-FFF2-40B4-BE49-F238E27FC236}">
-                <a16:creationId xmlns:a16="http://schemas.microsoft.com/office/drawing/2014/main" id="{10859F80-25B5-4E31-B956-80C640ECBF31}"/>
+                <a16:creationId xmlns:a16="http://schemas.microsoft.com/office/drawing/2014/main" xmlns="" id="{10859F80-25B5-4E31-B956-80C640ECBF31}"/>
               </a:ext>
             </a:extLst>
           </p:cNvPr>
@@ -5913,26 +6319,16 @@
           <a:bodyPr/>
           <a:lstStyle/>
           <a:p>
-            <a:r>
-              <a:rPr lang="fr-FR" dirty="0"/>
-              <a:t>Création de </a:t>
-            </a:r>
-            <a:r>
-              <a:rPr lang="fr-FR" dirty="0" err="1"/>
-              <a:t>dataset</a:t>
-            </a:r>
-            <a:r>
-              <a:rPr lang="fr-FR" dirty="0"/>
-              <a:t> :</a:t>
-            </a:r>
-          </a:p>
-          <a:p>
             <a:pPr marL="0" indent="0">
               <a:buNone/>
             </a:pPr>
             <a:r>
+              <a:rPr lang="fr-FR" dirty="0" smtClean="0"/>
+              <a:t>Nous </a:t>
+            </a:r>
+            <a:r>
               <a:rPr lang="fr-FR" dirty="0"/>
-              <a:t>Nous avons défini trois classes d’objets à reconnaitre</a:t>
+              <a:t>avons défini trois classes d’objets à reconnaitre</a:t>
             </a:r>
           </a:p>
           <a:p>
@@ -5948,7 +6344,7 @@
           <p:cNvPr id="4" name="Groupe 3">
             <a:extLst>
               <a:ext uri="{FF2B5EF4-FFF2-40B4-BE49-F238E27FC236}">
-                <a16:creationId xmlns:a16="http://schemas.microsoft.com/office/drawing/2014/main" id="{82DC1DBC-EB5F-4CF2-9143-18176ACEE1CB}"/>
+                <a16:creationId xmlns:a16="http://schemas.microsoft.com/office/drawing/2014/main" xmlns="" id="{82DC1DBC-EB5F-4CF2-9143-18176ACEE1CB}"/>
               </a:ext>
             </a:extLst>
           </p:cNvPr>
@@ -5968,7 +6364,7 @@
             <p:cNvPr id="5" name="Image 4">
               <a:extLst>
                 <a:ext uri="{FF2B5EF4-FFF2-40B4-BE49-F238E27FC236}">
-                  <a16:creationId xmlns:a16="http://schemas.microsoft.com/office/drawing/2014/main" id="{C3CBA542-BD3B-4FD4-805A-85BBC8EF8A05}"/>
+                  <a16:creationId xmlns:a16="http://schemas.microsoft.com/office/drawing/2014/main" xmlns="" id="{C3CBA542-BD3B-4FD4-805A-85BBC8EF8A05}"/>
                 </a:ext>
               </a:extLst>
             </p:cNvPr>
@@ -5999,7 +6395,7 @@
             <p:cNvPr id="6" name="Picture 6" descr="Sticker poire - Variété Guyot - LettresAdhesives.net">
               <a:extLst>
                 <a:ext uri="{FF2B5EF4-FFF2-40B4-BE49-F238E27FC236}">
-                  <a16:creationId xmlns:a16="http://schemas.microsoft.com/office/drawing/2014/main" id="{6E63C645-5479-4631-9B77-DCFDF60C3E9A}"/>
+                  <a16:creationId xmlns:a16="http://schemas.microsoft.com/office/drawing/2014/main" xmlns="" id="{6E63C645-5479-4631-9B77-DCFDF60C3E9A}"/>
                 </a:ext>
               </a:extLst>
             </p:cNvPr>
@@ -6044,7 +6440,7 @@
             <p:cNvPr id="7" name="Picture 8" descr="Résultat de recherche d'images pour &quot;coloriage yaourt&quot; | Peace gesture,  Drawings, Peace">
               <a:extLst>
                 <a:ext uri="{FF2B5EF4-FFF2-40B4-BE49-F238E27FC236}">
-                  <a16:creationId xmlns:a16="http://schemas.microsoft.com/office/drawing/2014/main" id="{AD2262F3-64BB-48C4-84F4-A7C347817753}"/>
+                  <a16:creationId xmlns:a16="http://schemas.microsoft.com/office/drawing/2014/main" xmlns="" id="{AD2262F3-64BB-48C4-84F4-A7C347817753}"/>
                 </a:ext>
               </a:extLst>
             </p:cNvPr>
@@ -6090,97 +6486,7 @@
     </p:spTree>
     <p:extLst>
       <p:ext uri="{BB962C8B-B14F-4D97-AF65-F5344CB8AC3E}">
-        <p14:creationId xmlns:p14="http://schemas.microsoft.com/office/powerpoint/2010/main" val="2184287671"/>
-      </p:ext>
-    </p:extLst>
-  </p:cSld>
-  <p:clrMapOvr>
-    <a:masterClrMapping/>
-  </p:clrMapOvr>
-</p:sld>
-</file>
-
-<file path=ppt/slides/slide12.xml><?xml version="1.0" encoding="utf-8"?>
-<p:sld xmlns:a="http://schemas.openxmlformats.org/drawingml/2006/main" xmlns:r="http://schemas.openxmlformats.org/officeDocument/2006/relationships" xmlns:p="http://schemas.openxmlformats.org/presentationml/2006/main">
-  <p:cSld>
-    <p:spTree>
-      <p:nvGrpSpPr>
-        <p:cNvPr id="1" name=""/>
-        <p:cNvGrpSpPr/>
-        <p:nvPr/>
-      </p:nvGrpSpPr>
-      <p:grpSpPr>
-        <a:xfrm>
-          <a:off x="0" y="0"/>
-          <a:ext cx="0" cy="0"/>
-          <a:chOff x="0" y="0"/>
-          <a:chExt cx="0" cy="0"/>
-        </a:xfrm>
-      </p:grpSpPr>
-      <p:sp>
-        <p:nvSpPr>
-          <p:cNvPr id="2" name="Titre 1">
-            <a:extLst>
-              <a:ext uri="{FF2B5EF4-FFF2-40B4-BE49-F238E27FC236}">
-                <a16:creationId xmlns:a16="http://schemas.microsoft.com/office/drawing/2014/main" id="{452A231C-B4E6-49DF-8C09-7B264BE676B9}"/>
-              </a:ext>
-            </a:extLst>
-          </p:cNvPr>
-          <p:cNvSpPr>
-            <a:spLocks noGrp="1"/>
-          </p:cNvSpPr>
-          <p:nvPr>
-            <p:ph type="title"/>
-          </p:nvPr>
-        </p:nvSpPr>
-        <p:spPr/>
-        <p:txBody>
-          <a:bodyPr/>
-          <a:lstStyle/>
-          <a:p>
-            <a:r>
-              <a:rPr lang="fr-FR" dirty="0"/>
-              <a:t>Labélisation</a:t>
-            </a:r>
-          </a:p>
-        </p:txBody>
-      </p:sp>
-      <p:pic>
-        <p:nvPicPr>
-          <p:cNvPr id="4" name="Espace réservé du contenu 3">
-            <a:extLst>
-              <a:ext uri="{FF2B5EF4-FFF2-40B4-BE49-F238E27FC236}">
-                <a16:creationId xmlns:a16="http://schemas.microsoft.com/office/drawing/2014/main" id="{15968360-B1CA-49DA-8FBA-511AFF247526}"/>
-              </a:ext>
-            </a:extLst>
-          </p:cNvPr>
-          <p:cNvPicPr>
-            <a:picLocks noGrp="1" noChangeAspect="1"/>
-          </p:cNvPicPr>
-          <p:nvPr>
-            <p:ph idx="1"/>
-          </p:nvPr>
-        </p:nvPicPr>
-        <p:blipFill>
-          <a:blip r:embed="rId2"/>
-          <a:stretch>
-            <a:fillRect/>
-          </a:stretch>
-        </p:blipFill>
-        <p:spPr>
-          <a:xfrm>
-            <a:off x="3233451" y="1820862"/>
-            <a:ext cx="6411805" cy="4351338"/>
-          </a:xfrm>
-          <a:prstGeom prst="rect">
-            <a:avLst/>
-          </a:prstGeom>
-        </p:spPr>
-      </p:pic>
-    </p:spTree>
-    <p:extLst>
-      <p:ext uri="{BB962C8B-B14F-4D97-AF65-F5344CB8AC3E}">
-        <p14:creationId xmlns:p14="http://schemas.microsoft.com/office/powerpoint/2010/main" val="510973167"/>
+        <p14:creationId xmlns:p14="http://schemas.microsoft.com/office/powerpoint/2010/main" val="2061547845"/>
       </p:ext>
     </p:extLst>
   </p:cSld>
@@ -6212,7 +6518,7 @@
           <p:cNvPr id="2" name="Titre 1">
             <a:extLst>
               <a:ext uri="{FF2B5EF4-FFF2-40B4-BE49-F238E27FC236}">
-                <a16:creationId xmlns:a16="http://schemas.microsoft.com/office/drawing/2014/main" id="{5F8AB78B-556D-49A4-B688-3C1CA0735297}"/>
+                <a16:creationId xmlns:a16="http://schemas.microsoft.com/office/drawing/2014/main" xmlns="" id="{452A231C-B4E6-49DF-8C09-7B264BE676B9}"/>
               </a:ext>
             </a:extLst>
           </p:cNvPr>
@@ -6230,7 +6536,7 @@
           <a:p>
             <a:r>
               <a:rPr lang="fr-FR" dirty="0"/>
-              <a:t>Entrainement du réseau de neurones</a:t>
+              <a:t>Labélisation</a:t>
             </a:r>
           </a:p>
         </p:txBody>
@@ -6240,7 +6546,7 @@
           <p:cNvPr id="4" name="Espace réservé du contenu 3">
             <a:extLst>
               <a:ext uri="{FF2B5EF4-FFF2-40B4-BE49-F238E27FC236}">
-                <a16:creationId xmlns:a16="http://schemas.microsoft.com/office/drawing/2014/main" id="{AA60501A-7836-4EB0-A51D-069887CFEFFB}"/>
+                <a16:creationId xmlns:a16="http://schemas.microsoft.com/office/drawing/2014/main" xmlns="" id="{15968360-B1CA-49DA-8FBA-511AFF247526}"/>
               </a:ext>
             </a:extLst>
           </p:cNvPr>
@@ -6259,8 +6565,8 @@
         </p:blipFill>
         <p:spPr>
           <a:xfrm>
-            <a:off x="1219200" y="1861376"/>
-            <a:ext cx="10515600" cy="3726465"/>
+            <a:off x="3233451" y="1820862"/>
+            <a:ext cx="6411805" cy="4351338"/>
           </a:xfrm>
           <a:prstGeom prst="rect">
             <a:avLst/>
@@ -6270,7 +6576,7 @@
     </p:spTree>
     <p:extLst>
       <p:ext uri="{BB962C8B-B14F-4D97-AF65-F5344CB8AC3E}">
-        <p14:creationId xmlns:p14="http://schemas.microsoft.com/office/powerpoint/2010/main" val="2583346379"/>
+        <p14:creationId xmlns:p14="http://schemas.microsoft.com/office/powerpoint/2010/main" val="510973167"/>
       </p:ext>
     </p:extLst>
   </p:cSld>
@@ -6302,7 +6608,7 @@
           <p:cNvPr id="2" name="Titre 1">
             <a:extLst>
               <a:ext uri="{FF2B5EF4-FFF2-40B4-BE49-F238E27FC236}">
-                <a16:creationId xmlns:a16="http://schemas.microsoft.com/office/drawing/2014/main" id="{24BDA755-60D8-426B-97DB-5250832C50C0}"/>
+                <a16:creationId xmlns:a16="http://schemas.microsoft.com/office/drawing/2014/main" xmlns="" id="{5F8AB78B-556D-49A4-B688-3C1CA0735297}"/>
               </a:ext>
             </a:extLst>
           </p:cNvPr>
@@ -6319,112 +6625,48 @@
           <a:lstStyle/>
           <a:p>
             <a:r>
-              <a:rPr lang="fr-FR" dirty="0" err="1"/>
-              <a:t>Naoqi</a:t>
-            </a:r>
-            <a:endParaRPr lang="fr-FR" dirty="0"/>
-          </a:p>
-        </p:txBody>
-      </p:sp>
-      <p:sp>
-        <p:nvSpPr>
-          <p:cNvPr id="3" name="Espace réservé du contenu 2">
+              <a:rPr lang="fr-FR" dirty="0"/>
+              <a:t>Entrainement du réseau de neurones</a:t>
+            </a:r>
+          </a:p>
+        </p:txBody>
+      </p:sp>
+      <p:pic>
+        <p:nvPicPr>
+          <p:cNvPr id="4" name="Espace réservé du contenu 3">
             <a:extLst>
               <a:ext uri="{FF2B5EF4-FFF2-40B4-BE49-F238E27FC236}">
-                <a16:creationId xmlns:a16="http://schemas.microsoft.com/office/drawing/2014/main" id="{1C83041E-63DC-4C93-A0A4-2BED38E7E660}"/>
+                <a16:creationId xmlns:a16="http://schemas.microsoft.com/office/drawing/2014/main" xmlns="" id="{AA60501A-7836-4EB0-A51D-069887CFEFFB}"/>
               </a:ext>
             </a:extLst>
           </p:cNvPr>
-          <p:cNvSpPr>
-            <a:spLocks noGrp="1"/>
-          </p:cNvSpPr>
+          <p:cNvPicPr>
+            <a:picLocks noGrp="1" noChangeAspect="1"/>
+          </p:cNvPicPr>
           <p:nvPr>
             <p:ph idx="1"/>
           </p:nvPr>
-        </p:nvSpPr>
+        </p:nvPicPr>
+        <p:blipFill>
+          <a:blip r:embed="rId2"/>
+          <a:stretch>
+            <a:fillRect/>
+          </a:stretch>
+        </p:blipFill>
         <p:spPr>
           <a:xfrm>
-            <a:off x="1371600" y="1517904"/>
-            <a:ext cx="9601200" cy="2798064"/>
-          </a:xfrm>
-        </p:spPr>
-        <p:txBody>
-          <a:bodyPr>
-            <a:normAutofit/>
-          </a:bodyPr>
-          <a:lstStyle/>
-          <a:p>
-            <a:r>
-              <a:rPr lang="fr-FR" dirty="0"/>
-              <a:t>IHR </a:t>
-            </a:r>
-            <a:r>
-              <a:rPr lang="fr-FR" dirty="0" err="1"/>
-              <a:t>Naoqi</a:t>
-            </a:r>
-            <a:r>
-              <a:rPr lang="fr-FR" dirty="0"/>
-              <a:t> :</a:t>
-            </a:r>
-          </a:p>
-          <a:p>
-            <a:pPr marL="530352" lvl="1" indent="0">
-              <a:buNone/>
-            </a:pPr>
-            <a:r>
-              <a:rPr lang="fr-FR" dirty="0"/>
-              <a:t>La communication avec Pepper par 2 moyens : Reconnaissance vocale ou tablette</a:t>
-            </a:r>
-          </a:p>
-          <a:p>
-            <a:r>
-              <a:rPr lang="fr-FR" dirty="0"/>
-              <a:t>Prise de photo avec </a:t>
-            </a:r>
-            <a:r>
-              <a:rPr lang="fr-FR" dirty="0" err="1"/>
-              <a:t>Naoqi</a:t>
-            </a:r>
-            <a:endParaRPr lang="fr-FR" dirty="0"/>
-          </a:p>
-          <a:p>
-            <a:r>
-              <a:rPr lang="fr-FR" dirty="0"/>
-              <a:t>Création d’un service </a:t>
-            </a:r>
-            <a:r>
-              <a:rPr lang="fr-FR" dirty="0" err="1"/>
-              <a:t>Naoqi</a:t>
-            </a:r>
-            <a:endParaRPr lang="fr-FR" dirty="0"/>
-          </a:p>
-          <a:p>
-            <a:pPr marL="530352" lvl="1" indent="0">
-              <a:buNone/>
-            </a:pPr>
-            <a:r>
-              <a:rPr lang="fr-FR" dirty="0"/>
-              <a:t>Passage au SDK </a:t>
-            </a:r>
-            <a:r>
-              <a:rPr lang="fr-FR" dirty="0" err="1"/>
-              <a:t>android</a:t>
-            </a:r>
-            <a:endParaRPr lang="fr-FR" dirty="0"/>
-          </a:p>
-          <a:p>
-            <a:pPr lvl="1"/>
-            <a:endParaRPr lang="fr-FR" dirty="0"/>
-          </a:p>
-          <a:p>
-            <a:endParaRPr lang="fr-FR" dirty="0"/>
-          </a:p>
-        </p:txBody>
-      </p:sp>
+            <a:off x="1219200" y="1861376"/>
+            <a:ext cx="10515600" cy="3726465"/>
+          </a:xfrm>
+          <a:prstGeom prst="rect">
+            <a:avLst/>
+          </a:prstGeom>
+        </p:spPr>
+      </p:pic>
     </p:spTree>
     <p:extLst>
       <p:ext uri="{BB962C8B-B14F-4D97-AF65-F5344CB8AC3E}">
-        <p14:creationId xmlns:p14="http://schemas.microsoft.com/office/powerpoint/2010/main" val="1061127029"/>
+        <p14:creationId xmlns:p14="http://schemas.microsoft.com/office/powerpoint/2010/main" val="2583346379"/>
       </p:ext>
     </p:extLst>
   </p:cSld>
@@ -6453,13 +6695,7 @@
       </p:grpSpPr>
       <p:sp>
         <p:nvSpPr>
-          <p:cNvPr id="2" name="Titre 1">
-            <a:extLst>
-              <a:ext uri="{FF2B5EF4-FFF2-40B4-BE49-F238E27FC236}">
-                <a16:creationId xmlns:a16="http://schemas.microsoft.com/office/drawing/2014/main" id="{E34A027C-F3E4-431B-8E33-CBF5044F3106}"/>
-              </a:ext>
-            </a:extLst>
-          </p:cNvPr>
+          <p:cNvPr id="2" name="Titre 1"/>
           <p:cNvSpPr>
             <a:spLocks noGrp="1"/>
           </p:cNvSpPr>
@@ -6473,27 +6709,20 @@
           <a:lstStyle/>
           <a:p>
             <a:r>
-              <a:rPr lang="fr-FR" dirty="0"/>
-              <a:t>Tablette</a:t>
-            </a:r>
+              <a:rPr lang="fr-FR" dirty="0" smtClean="0"/>
+              <a:t>Phase de tests</a:t>
+            </a:r>
+            <a:endParaRPr lang="fr-FR" dirty="0"/>
           </a:p>
         </p:txBody>
       </p:sp>
       <p:pic>
         <p:nvPicPr>
-          <p:cNvPr id="4" name="Espace réservé du contenu 3">
-            <a:extLst>
-              <a:ext uri="{FF2B5EF4-FFF2-40B4-BE49-F238E27FC236}">
-                <a16:creationId xmlns:a16="http://schemas.microsoft.com/office/drawing/2014/main" id="{CF5D3E31-CC86-42FF-B8CA-CE8ABEFF61E4}"/>
-              </a:ext>
-            </a:extLst>
-          </p:cNvPr>
+          <p:cNvPr id="8" name="Image 7"/>
           <p:cNvPicPr>
-            <a:picLocks noGrp="1" noChangeAspect="1"/>
+            <a:picLocks noChangeAspect="1"/>
           </p:cNvPicPr>
-          <p:nvPr>
-            <p:ph idx="1"/>
-          </p:nvPr>
+          <p:nvPr/>
         </p:nvPicPr>
         <p:blipFill>
           <a:blip r:embed="rId2"/>
@@ -6503,142 +6732,87 @@
         </p:blipFill>
         <p:spPr>
           <a:xfrm>
-            <a:off x="3272674" y="1864042"/>
-            <a:ext cx="5646651" cy="1682858"/>
+            <a:off x="1198605" y="2171700"/>
+            <a:ext cx="4501978" cy="2458961"/>
           </a:xfrm>
           <a:prstGeom prst="rect">
             <a:avLst/>
           </a:prstGeom>
         </p:spPr>
       </p:pic>
+      <p:sp>
+        <p:nvSpPr>
+          <p:cNvPr id="9" name="Flèche droite 8"/>
+          <p:cNvSpPr/>
+          <p:nvPr/>
+        </p:nvSpPr>
+        <p:spPr>
+          <a:xfrm>
+            <a:off x="6021859" y="3155092"/>
+            <a:ext cx="650790" cy="444843"/>
+          </a:xfrm>
+          <a:prstGeom prst="rightArrow">
+            <a:avLst/>
+          </a:prstGeom>
+        </p:spPr>
+        <p:style>
+          <a:lnRef idx="2">
+            <a:schemeClr val="accent1">
+              <a:shade val="50000"/>
+            </a:schemeClr>
+          </a:lnRef>
+          <a:fillRef idx="1">
+            <a:schemeClr val="accent1"/>
+          </a:fillRef>
+          <a:effectRef idx="0">
+            <a:schemeClr val="accent1"/>
+          </a:effectRef>
+          <a:fontRef idx="minor">
+            <a:schemeClr val="lt1"/>
+          </a:fontRef>
+        </p:style>
+        <p:txBody>
+          <a:bodyPr rtlCol="0" anchor="ctr"/>
+          <a:lstStyle/>
+          <a:p>
+            <a:pPr algn="ctr"/>
+            <a:endParaRPr lang="fr-FR"/>
+          </a:p>
+        </p:txBody>
+      </p:sp>
       <p:pic>
         <p:nvPicPr>
-          <p:cNvPr id="5" name="Image 4">
-            <a:extLst>
-              <a:ext uri="{FF2B5EF4-FFF2-40B4-BE49-F238E27FC236}">
-                <a16:creationId xmlns:a16="http://schemas.microsoft.com/office/drawing/2014/main" id="{C941012C-FA41-4E55-B002-9285314AA09D}"/>
-              </a:ext>
-            </a:extLst>
-          </p:cNvPr>
+          <p:cNvPr id="10" name="Image 9"/>
           <p:cNvPicPr>
             <a:picLocks noChangeAspect="1"/>
           </p:cNvPicPr>
           <p:nvPr/>
         </p:nvPicPr>
-        <p:blipFill>
-          <a:blip r:embed="rId3"/>
-          <a:stretch>
-            <a:fillRect/>
-          </a:stretch>
+        <p:blipFill rotWithShape="1">
+          <a:blip r:embed="rId3">
+            <a:extLst>
+              <a:ext uri="{28A0092B-C50C-407E-A947-70E740481C1C}">
+                <a14:useLocalDpi xmlns:a14="http://schemas.microsoft.com/office/drawing/2010/main" val="0"/>
+              </a:ext>
+            </a:extLst>
+          </a:blip>
+          <a:srcRect l="902" r="1845" b="2090"/>
+          <a:stretch/>
         </p:blipFill>
         <p:spPr>
           <a:xfrm>
-            <a:off x="3960223" y="3854366"/>
-            <a:ext cx="4637312" cy="2507362"/>
+            <a:off x="6969211" y="2011223"/>
+            <a:ext cx="4582533" cy="2732579"/>
           </a:xfrm>
           <a:prstGeom prst="rect">
             <a:avLst/>
           </a:prstGeom>
         </p:spPr>
       </p:pic>
-      <p:sp>
-        <p:nvSpPr>
-          <p:cNvPr id="6" name="Ellipse 5">
-            <a:extLst>
-              <a:ext uri="{FF2B5EF4-FFF2-40B4-BE49-F238E27FC236}">
-                <a16:creationId xmlns:a16="http://schemas.microsoft.com/office/drawing/2014/main" id="{D56776B1-80EB-477E-829A-B75EF38B91A6}"/>
-              </a:ext>
-            </a:extLst>
-          </p:cNvPr>
-          <p:cNvSpPr/>
-          <p:nvPr/>
-        </p:nvSpPr>
-        <p:spPr>
-          <a:xfrm>
-            <a:off x="2263345" y="2483049"/>
-            <a:ext cx="469557" cy="444843"/>
-          </a:xfrm>
-          <a:prstGeom prst="ellipse">
-            <a:avLst/>
-          </a:prstGeom>
-        </p:spPr>
-        <p:style>
-          <a:lnRef idx="2">
-            <a:schemeClr val="dk1"/>
-          </a:lnRef>
-          <a:fillRef idx="1">
-            <a:schemeClr val="lt1"/>
-          </a:fillRef>
-          <a:effectRef idx="0">
-            <a:schemeClr val="dk1"/>
-          </a:effectRef>
-          <a:fontRef idx="minor">
-            <a:schemeClr val="dk1"/>
-          </a:fontRef>
-        </p:style>
-        <p:txBody>
-          <a:bodyPr rtlCol="0" anchor="ctr"/>
-          <a:lstStyle/>
-          <a:p>
-            <a:pPr algn="ctr"/>
-            <a:r>
-              <a:rPr lang="fr-FR" dirty="0"/>
-              <a:t>1</a:t>
-            </a:r>
-          </a:p>
-        </p:txBody>
-      </p:sp>
-      <p:sp>
-        <p:nvSpPr>
-          <p:cNvPr id="7" name="Ellipse 6">
-            <a:extLst>
-              <a:ext uri="{FF2B5EF4-FFF2-40B4-BE49-F238E27FC236}">
-                <a16:creationId xmlns:a16="http://schemas.microsoft.com/office/drawing/2014/main" id="{CF960D13-C7B1-4D0A-8E7D-D6E708999A4A}"/>
-              </a:ext>
-            </a:extLst>
-          </p:cNvPr>
-          <p:cNvSpPr/>
-          <p:nvPr/>
-        </p:nvSpPr>
-        <p:spPr>
-          <a:xfrm>
-            <a:off x="2263344" y="4751513"/>
-            <a:ext cx="469557" cy="444843"/>
-          </a:xfrm>
-          <a:prstGeom prst="ellipse">
-            <a:avLst/>
-          </a:prstGeom>
-        </p:spPr>
-        <p:style>
-          <a:lnRef idx="2">
-            <a:schemeClr val="dk1"/>
-          </a:lnRef>
-          <a:fillRef idx="1">
-            <a:schemeClr val="lt1"/>
-          </a:fillRef>
-          <a:effectRef idx="0">
-            <a:schemeClr val="dk1"/>
-          </a:effectRef>
-          <a:fontRef idx="minor">
-            <a:schemeClr val="dk1"/>
-          </a:fontRef>
-        </p:style>
-        <p:txBody>
-          <a:bodyPr rtlCol="0" anchor="ctr"/>
-          <a:lstStyle/>
-          <a:p>
-            <a:pPr algn="ctr"/>
-            <a:r>
-              <a:rPr lang="fr-FR" dirty="0"/>
-              <a:t>2</a:t>
-            </a:r>
-          </a:p>
-        </p:txBody>
-      </p:sp>
     </p:spTree>
     <p:extLst>
       <p:ext uri="{BB962C8B-B14F-4D97-AF65-F5344CB8AC3E}">
-        <p14:creationId xmlns:p14="http://schemas.microsoft.com/office/powerpoint/2010/main" val="3332152487"/>
+        <p14:creationId xmlns:p14="http://schemas.microsoft.com/office/powerpoint/2010/main" val="1468732012"/>
       </p:ext>
     </p:extLst>
   </p:cSld>
@@ -6670,7 +6844,7 @@
           <p:cNvPr id="2" name="Titre 1">
             <a:extLst>
               <a:ext uri="{FF2B5EF4-FFF2-40B4-BE49-F238E27FC236}">
-                <a16:creationId xmlns:a16="http://schemas.microsoft.com/office/drawing/2014/main" id="{4ECB12EE-930C-412E-9A64-0B6CFDF5E7C2}"/>
+                <a16:creationId xmlns:a16="http://schemas.microsoft.com/office/drawing/2014/main" xmlns="" id="{24BDA755-60D8-426B-97DB-5250832C50C0}"/>
               </a:ext>
             </a:extLst>
           </p:cNvPr>
@@ -6687,93 +6861,113 @@
           <a:lstStyle/>
           <a:p>
             <a:r>
-              <a:rPr lang="fr-FR" dirty="0"/>
-              <a:t>Tablette</a:t>
-            </a:r>
-          </a:p>
-        </p:txBody>
-      </p:sp>
-      <p:pic>
-        <p:nvPicPr>
-          <p:cNvPr id="4" name="Image 3">
+              <a:rPr lang="fr-FR" dirty="0" err="1"/>
+              <a:t>Naoqi</a:t>
+            </a:r>
+            <a:endParaRPr lang="fr-FR" dirty="0"/>
+          </a:p>
+        </p:txBody>
+      </p:sp>
+      <p:sp>
+        <p:nvSpPr>
+          <p:cNvPr id="3" name="Espace réservé du contenu 2">
             <a:extLst>
               <a:ext uri="{FF2B5EF4-FFF2-40B4-BE49-F238E27FC236}">
-                <a16:creationId xmlns:a16="http://schemas.microsoft.com/office/drawing/2014/main" id="{CECACE87-95BE-43B3-807E-62D679DD623A}"/>
+                <a16:creationId xmlns:a16="http://schemas.microsoft.com/office/drawing/2014/main" xmlns="" id="{1C83041E-63DC-4C93-A0A4-2BED38E7E660}"/>
               </a:ext>
             </a:extLst>
           </p:cNvPr>
-          <p:cNvPicPr>
-            <a:picLocks noChangeAspect="1"/>
-          </p:cNvPicPr>
-          <p:nvPr/>
-        </p:nvPicPr>
-        <p:blipFill>
-          <a:blip r:embed="rId2"/>
-          <a:stretch>
-            <a:fillRect/>
-          </a:stretch>
-        </p:blipFill>
+          <p:cNvSpPr>
+            <a:spLocks noGrp="1"/>
+          </p:cNvSpPr>
+          <p:nvPr>
+            <p:ph idx="1"/>
+          </p:nvPr>
+        </p:nvSpPr>
         <p:spPr>
           <a:xfrm>
-            <a:off x="2948074" y="2572082"/>
-            <a:ext cx="7428535" cy="3433061"/>
-          </a:xfrm>
-          <a:prstGeom prst="rect">
-            <a:avLst/>
-          </a:prstGeom>
-        </p:spPr>
-      </p:pic>
-      <p:sp>
-        <p:nvSpPr>
-          <p:cNvPr id="5" name="Ellipse 4">
-            <a:extLst>
-              <a:ext uri="{FF2B5EF4-FFF2-40B4-BE49-F238E27FC236}">
-                <a16:creationId xmlns:a16="http://schemas.microsoft.com/office/drawing/2014/main" id="{BFA99704-BFC2-45F5-929F-7F5F55DC76B3}"/>
-              </a:ext>
-            </a:extLst>
-          </p:cNvPr>
-          <p:cNvSpPr/>
-          <p:nvPr/>
-        </p:nvSpPr>
-        <p:spPr>
-          <a:xfrm>
-            <a:off x="1815391" y="3798049"/>
-            <a:ext cx="469557" cy="444843"/>
-          </a:xfrm>
-          <a:prstGeom prst="ellipse">
-            <a:avLst/>
-          </a:prstGeom>
-        </p:spPr>
-        <p:style>
-          <a:lnRef idx="2">
-            <a:schemeClr val="dk1"/>
-          </a:lnRef>
-          <a:fillRef idx="1">
-            <a:schemeClr val="lt1"/>
-          </a:fillRef>
-          <a:effectRef idx="0">
-            <a:schemeClr val="dk1"/>
-          </a:effectRef>
-          <a:fontRef idx="minor">
-            <a:schemeClr val="dk1"/>
-          </a:fontRef>
-        </p:style>
-        <p:txBody>
-          <a:bodyPr rtlCol="0" anchor="ctr"/>
+            <a:off x="1371600" y="1517904"/>
+            <a:ext cx="9601200" cy="2798064"/>
+          </a:xfrm>
+        </p:spPr>
+        <p:txBody>
+          <a:bodyPr>
+            <a:normAutofit/>
+          </a:bodyPr>
           <a:lstStyle/>
           <a:p>
-            <a:pPr algn="ctr"/>
             <a:r>
               <a:rPr lang="fr-FR" dirty="0"/>
-              <a:t>3</a:t>
-            </a:r>
+              <a:t>IHR </a:t>
+            </a:r>
+            <a:r>
+              <a:rPr lang="fr-FR" dirty="0" err="1"/>
+              <a:t>Naoqi</a:t>
+            </a:r>
+            <a:r>
+              <a:rPr lang="fr-FR" dirty="0"/>
+              <a:t> :</a:t>
+            </a:r>
+          </a:p>
+          <a:p>
+            <a:pPr marL="530352" lvl="1" indent="0">
+              <a:buNone/>
+            </a:pPr>
+            <a:r>
+              <a:rPr lang="fr-FR" dirty="0"/>
+              <a:t>La communication avec Pepper par 2 moyens : Reconnaissance vocale ou tablette</a:t>
+            </a:r>
+          </a:p>
+          <a:p>
+            <a:r>
+              <a:rPr lang="fr-FR" dirty="0"/>
+              <a:t>Prise de photo avec </a:t>
+            </a:r>
+            <a:r>
+              <a:rPr lang="fr-FR" dirty="0" err="1"/>
+              <a:t>Naoqi</a:t>
+            </a:r>
+            <a:endParaRPr lang="fr-FR" dirty="0"/>
+          </a:p>
+          <a:p>
+            <a:r>
+              <a:rPr lang="fr-FR" dirty="0" smtClean="0"/>
+              <a:t>Développement </a:t>
+            </a:r>
+            <a:r>
+              <a:rPr lang="fr-FR" dirty="0"/>
+              <a:t>d’un service </a:t>
+            </a:r>
+            <a:r>
+              <a:rPr lang="fr-FR" dirty="0" err="1" smtClean="0"/>
+              <a:t>Naoqi</a:t>
+            </a:r>
+            <a:endParaRPr lang="fr-FR" dirty="0" smtClean="0"/>
+          </a:p>
+          <a:p>
+            <a:r>
+              <a:rPr lang="fr-FR" dirty="0" smtClean="0"/>
+              <a:t>Création d’API vers le serveur </a:t>
+            </a:r>
+            <a:r>
+              <a:rPr lang="fr-FR" dirty="0" err="1" smtClean="0"/>
+              <a:t>Flask</a:t>
+            </a:r>
+            <a:endParaRPr lang="fr-FR" dirty="0"/>
+          </a:p>
+          <a:p>
+            <a:pPr lvl="1"/>
+            <a:endParaRPr lang="fr-FR" dirty="0"/>
+          </a:p>
+          <a:p>
+            <a:endParaRPr lang="fr-FR" dirty="0"/>
           </a:p>
         </p:txBody>
       </p:sp>
     </p:spTree>
     <p:extLst>
       <p:ext uri="{BB962C8B-B14F-4D97-AF65-F5344CB8AC3E}">
-        <p14:creationId xmlns:p14="http://schemas.microsoft.com/office/powerpoint/2010/main" val="4213972457"/>
+        <p14:creationId xmlns:p14="http://schemas.microsoft.com/office/powerpoint/2010/main" val="1061127029"/>
       </p:ext>
     </p:extLst>
   </p:cSld>
@@ -6805,7 +6999,7 @@
           <p:cNvPr id="2" name="Titre 1">
             <a:extLst>
               <a:ext uri="{FF2B5EF4-FFF2-40B4-BE49-F238E27FC236}">
-                <a16:creationId xmlns:a16="http://schemas.microsoft.com/office/drawing/2014/main" id="{3098B0C5-8C15-46E8-937C-54399DB05580}"/>
+                <a16:creationId xmlns:a16="http://schemas.microsoft.com/office/drawing/2014/main" xmlns="" id="{E34A027C-F3E4-431B-8E33-CBF5044F3106}"/>
               </a:ext>
             </a:extLst>
           </p:cNvPr>
@@ -6823,67 +7017,200 @@
           <a:p>
             <a:r>
               <a:rPr lang="fr-FR" dirty="0"/>
-              <a:t>Prise de photo avec </a:t>
-            </a:r>
-            <a:r>
-              <a:rPr lang="fr-FR" dirty="0" err="1"/>
-              <a:t>Naoqi</a:t>
-            </a:r>
-            <a:endParaRPr lang="fr-FR" dirty="0"/>
+              <a:t>Tablette</a:t>
+            </a:r>
           </a:p>
         </p:txBody>
       </p:sp>
       <p:pic>
         <p:nvPicPr>
-          <p:cNvPr id="4" name="Picture 2" descr="Aucune description disponible.">
+          <p:cNvPr id="4" name="Espace réservé du contenu 3">
             <a:extLst>
               <a:ext uri="{FF2B5EF4-FFF2-40B4-BE49-F238E27FC236}">
-                <a16:creationId xmlns:a16="http://schemas.microsoft.com/office/drawing/2014/main" id="{E281E3DB-DB7F-4D30-A23A-0E934B448B44}"/>
+                <a16:creationId xmlns:a16="http://schemas.microsoft.com/office/drawing/2014/main" xmlns="" id="{CF5D3E31-CC86-42FF-B8CA-CE8ABEFF61E4}"/>
               </a:ext>
             </a:extLst>
           </p:cNvPr>
           <p:cNvPicPr>
-            <a:picLocks noGrp="1" noChangeAspect="1" noChangeArrowheads="1"/>
+            <a:picLocks noGrp="1" noChangeAspect="1"/>
           </p:cNvPicPr>
           <p:nvPr>
             <p:ph idx="1"/>
           </p:nvPr>
         </p:nvPicPr>
+        <p:blipFill>
+          <a:blip r:embed="rId2"/>
+          <a:stretch>
+            <a:fillRect/>
+          </a:stretch>
+        </p:blipFill>
+        <p:spPr>
+          <a:xfrm>
+            <a:off x="2020523" y="1896993"/>
+            <a:ext cx="5646651" cy="1682858"/>
+          </a:xfrm>
+          <a:prstGeom prst="rect">
+            <a:avLst/>
+          </a:prstGeom>
+        </p:spPr>
+      </p:pic>
+      <p:pic>
+        <p:nvPicPr>
+          <p:cNvPr id="5" name="Image 4">
+            <a:extLst>
+              <a:ext uri="{FF2B5EF4-FFF2-40B4-BE49-F238E27FC236}">
+                <a16:creationId xmlns:a16="http://schemas.microsoft.com/office/drawing/2014/main" xmlns="" id="{C941012C-FA41-4E55-B002-9285314AA09D}"/>
+              </a:ext>
+            </a:extLst>
+          </p:cNvPr>
+          <p:cNvPicPr>
+            <a:picLocks noChangeAspect="1"/>
+          </p:cNvPicPr>
+          <p:nvPr/>
+        </p:nvPicPr>
+        <p:blipFill>
+          <a:blip r:embed="rId3"/>
+          <a:stretch>
+            <a:fillRect/>
+          </a:stretch>
+        </p:blipFill>
+        <p:spPr>
+          <a:xfrm>
+            <a:off x="2020522" y="3975626"/>
+            <a:ext cx="4637312" cy="2507362"/>
+          </a:xfrm>
+          <a:prstGeom prst="rect">
+            <a:avLst/>
+          </a:prstGeom>
+        </p:spPr>
+      </p:pic>
+      <p:sp>
+        <p:nvSpPr>
+          <p:cNvPr id="6" name="Ellipse 5">
+            <a:extLst>
+              <a:ext uri="{FF2B5EF4-FFF2-40B4-BE49-F238E27FC236}">
+                <a16:creationId xmlns:a16="http://schemas.microsoft.com/office/drawing/2014/main" xmlns="" id="{D56776B1-80EB-477E-829A-B75EF38B91A6}"/>
+              </a:ext>
+            </a:extLst>
+          </p:cNvPr>
+          <p:cNvSpPr/>
+          <p:nvPr/>
+        </p:nvSpPr>
+        <p:spPr>
+          <a:xfrm>
+            <a:off x="1011194" y="2516000"/>
+            <a:ext cx="469557" cy="444843"/>
+          </a:xfrm>
+          <a:prstGeom prst="ellipse">
+            <a:avLst/>
+          </a:prstGeom>
+        </p:spPr>
+        <p:style>
+          <a:lnRef idx="2">
+            <a:schemeClr val="dk1"/>
+          </a:lnRef>
+          <a:fillRef idx="1">
+            <a:schemeClr val="lt1"/>
+          </a:fillRef>
+          <a:effectRef idx="0">
+            <a:schemeClr val="dk1"/>
+          </a:effectRef>
+          <a:fontRef idx="minor">
+            <a:schemeClr val="dk1"/>
+          </a:fontRef>
+        </p:style>
+        <p:txBody>
+          <a:bodyPr rtlCol="0" anchor="ctr"/>
+          <a:lstStyle/>
+          <a:p>
+            <a:pPr algn="ctr"/>
+            <a:r>
+              <a:rPr lang="fr-FR" dirty="0"/>
+              <a:t>1</a:t>
+            </a:r>
+          </a:p>
+        </p:txBody>
+      </p:sp>
+      <p:sp>
+        <p:nvSpPr>
+          <p:cNvPr id="7" name="Ellipse 6">
+            <a:extLst>
+              <a:ext uri="{FF2B5EF4-FFF2-40B4-BE49-F238E27FC236}">
+                <a16:creationId xmlns:a16="http://schemas.microsoft.com/office/drawing/2014/main" xmlns="" id="{CF960D13-C7B1-4D0A-8E7D-D6E708999A4A}"/>
+              </a:ext>
+            </a:extLst>
+          </p:cNvPr>
+          <p:cNvSpPr/>
+          <p:nvPr/>
+        </p:nvSpPr>
+        <p:spPr>
+          <a:xfrm>
+            <a:off x="1011193" y="4784464"/>
+            <a:ext cx="469557" cy="444843"/>
+          </a:xfrm>
+          <a:prstGeom prst="ellipse">
+            <a:avLst/>
+          </a:prstGeom>
+        </p:spPr>
+        <p:style>
+          <a:lnRef idx="2">
+            <a:schemeClr val="dk1"/>
+          </a:lnRef>
+          <a:fillRef idx="1">
+            <a:schemeClr val="lt1"/>
+          </a:fillRef>
+          <a:effectRef idx="0">
+            <a:schemeClr val="dk1"/>
+          </a:effectRef>
+          <a:fontRef idx="minor">
+            <a:schemeClr val="dk1"/>
+          </a:fontRef>
+        </p:style>
+        <p:txBody>
+          <a:bodyPr rtlCol="0" anchor="ctr"/>
+          <a:lstStyle/>
+          <a:p>
+            <a:pPr algn="ctr"/>
+            <a:r>
+              <a:rPr lang="fr-FR" dirty="0"/>
+              <a:t>2</a:t>
+            </a:r>
+          </a:p>
+        </p:txBody>
+      </p:sp>
+      <p:pic>
+        <p:nvPicPr>
+          <p:cNvPr id="3" name="Image 2"/>
+          <p:cNvPicPr>
+            <a:picLocks noChangeAspect="1"/>
+          </p:cNvPicPr>
+          <p:nvPr/>
+        </p:nvPicPr>
         <p:blipFill rotWithShape="1">
-          <a:blip r:embed="rId2">
+          <a:blip r:embed="rId4">
             <a:extLst>
               <a:ext uri="{28A0092B-C50C-407E-A947-70E740481C1C}">
                 <a14:useLocalDpi xmlns:a14="http://schemas.microsoft.com/office/drawing/2010/main" val="0"/>
               </a:ext>
             </a:extLst>
           </a:blip>
-          <a:srcRect b="26850"/>
+          <a:srcRect l="15807" r="11056" b="14533"/>
           <a:stretch/>
         </p:blipFill>
-        <p:spPr bwMode="auto">
-          <a:xfrm>
-            <a:off x="2740709" y="1740940"/>
-            <a:ext cx="8077087" cy="4431259"/>
+        <p:spPr>
+          <a:xfrm>
+            <a:off x="7844481" y="3935228"/>
+            <a:ext cx="3937351" cy="2588158"/>
           </a:xfrm>
           <a:prstGeom prst="rect">
             <a:avLst/>
           </a:prstGeom>
-          <a:noFill/>
-          <a:extLst>
-            <a:ext uri="{909E8E84-426E-40DD-AFC4-6F175D3DCCD1}">
-              <a14:hiddenFill xmlns:a14="http://schemas.microsoft.com/office/drawing/2010/main">
-                <a:solidFill>
-                  <a:srgbClr val="FFFFFF"/>
-                </a:solidFill>
-              </a14:hiddenFill>
-            </a:ext>
-          </a:extLst>
         </p:spPr>
       </p:pic>
     </p:spTree>
     <p:extLst>
       <p:ext uri="{BB962C8B-B14F-4D97-AF65-F5344CB8AC3E}">
-        <p14:creationId xmlns:p14="http://schemas.microsoft.com/office/powerpoint/2010/main" val="350534395"/>
+        <p14:creationId xmlns:p14="http://schemas.microsoft.com/office/powerpoint/2010/main" val="3332152487"/>
       </p:ext>
     </p:extLst>
   </p:cSld>
@@ -6910,41 +7237,114 @@
           <a:chExt cx="0" cy="0"/>
         </a:xfrm>
       </p:grpSpPr>
-      <p:graphicFrame>
-        <p:nvGraphicFramePr>
-          <p:cNvPr id="7" name="Espace réservé du contenu 6">
+      <p:sp>
+        <p:nvSpPr>
+          <p:cNvPr id="2" name="Titre 1">
             <a:extLst>
               <a:ext uri="{FF2B5EF4-FFF2-40B4-BE49-F238E27FC236}">
-                <a16:creationId xmlns:a16="http://schemas.microsoft.com/office/drawing/2014/main" id="{F1213A7F-45FF-4824-9F58-A4E39CD28092}"/>
+                <a16:creationId xmlns:a16="http://schemas.microsoft.com/office/drawing/2014/main" xmlns="" id="{4ECB12EE-930C-412E-9A64-0B6CFDF5E7C2}"/>
               </a:ext>
             </a:extLst>
           </p:cNvPr>
-          <p:cNvGraphicFramePr>
-            <a:graphicFrameLocks noGrp="1"/>
-          </p:cNvGraphicFramePr>
+          <p:cNvSpPr>
+            <a:spLocks noGrp="1"/>
+          </p:cNvSpPr>
           <p:nvPr>
-            <p:ph idx="1"/>
-            <p:extLst>
-              <p:ext uri="{D42A27DB-BD31-4B8C-83A1-F6EECF244321}">
-                <p14:modId xmlns:p14="http://schemas.microsoft.com/office/powerpoint/2010/main" val="1021272743"/>
-              </p:ext>
-            </p:extLst>
+            <p:ph type="title"/>
           </p:nvPr>
-        </p:nvGraphicFramePr>
-        <p:xfrm>
-          <a:off x="1266825" y="504825"/>
-          <a:ext cx="8296275" cy="6353175"/>
-        </p:xfrm>
-        <a:graphic>
-          <a:graphicData uri="http://schemas.openxmlformats.org/drawingml/2006/chart">
-            <c:chart xmlns:c="http://schemas.openxmlformats.org/drawingml/2006/chart" xmlns:r="http://schemas.openxmlformats.org/officeDocument/2006/relationships" r:id="rId2"/>
-          </a:graphicData>
-        </a:graphic>
-      </p:graphicFrame>
+        </p:nvSpPr>
+        <p:spPr/>
+        <p:txBody>
+          <a:bodyPr/>
+          <a:lstStyle/>
+          <a:p>
+            <a:r>
+              <a:rPr lang="fr-FR" dirty="0"/>
+              <a:t>Tablette</a:t>
+            </a:r>
+          </a:p>
+        </p:txBody>
+      </p:sp>
+      <p:pic>
+        <p:nvPicPr>
+          <p:cNvPr id="4" name="Image 3">
+            <a:extLst>
+              <a:ext uri="{FF2B5EF4-FFF2-40B4-BE49-F238E27FC236}">
+                <a16:creationId xmlns:a16="http://schemas.microsoft.com/office/drawing/2014/main" xmlns="" id="{CECACE87-95BE-43B3-807E-62D679DD623A}"/>
+              </a:ext>
+            </a:extLst>
+          </p:cNvPr>
+          <p:cNvPicPr>
+            <a:picLocks noChangeAspect="1"/>
+          </p:cNvPicPr>
+          <p:nvPr/>
+        </p:nvPicPr>
+        <p:blipFill rotWithShape="1">
+          <a:blip r:embed="rId2"/>
+          <a:srcRect l="9163" r="6779"/>
+          <a:stretch/>
+        </p:blipFill>
+        <p:spPr>
+          <a:xfrm>
+            <a:off x="1902940" y="1631092"/>
+            <a:ext cx="7227575" cy="3973669"/>
+          </a:xfrm>
+          <a:prstGeom prst="rect">
+            <a:avLst/>
+          </a:prstGeom>
+        </p:spPr>
+      </p:pic>
+      <p:sp>
+        <p:nvSpPr>
+          <p:cNvPr id="5" name="Ellipse 4">
+            <a:extLst>
+              <a:ext uri="{FF2B5EF4-FFF2-40B4-BE49-F238E27FC236}">
+                <a16:creationId xmlns:a16="http://schemas.microsoft.com/office/drawing/2014/main" xmlns="" id="{BFA99704-BFC2-45F5-929F-7F5F55DC76B3}"/>
+              </a:ext>
+            </a:extLst>
+          </p:cNvPr>
+          <p:cNvSpPr/>
+          <p:nvPr/>
+        </p:nvSpPr>
+        <p:spPr>
+          <a:xfrm>
+            <a:off x="1182129" y="3365100"/>
+            <a:ext cx="517256" cy="514893"/>
+          </a:xfrm>
+          <a:prstGeom prst="ellipse">
+            <a:avLst/>
+          </a:prstGeom>
+        </p:spPr>
+        <p:style>
+          <a:lnRef idx="2">
+            <a:schemeClr val="dk1"/>
+          </a:lnRef>
+          <a:fillRef idx="1">
+            <a:schemeClr val="lt1"/>
+          </a:fillRef>
+          <a:effectRef idx="0">
+            <a:schemeClr val="dk1"/>
+          </a:effectRef>
+          <a:fontRef idx="minor">
+            <a:schemeClr val="dk1"/>
+          </a:fontRef>
+        </p:style>
+        <p:txBody>
+          <a:bodyPr rtlCol="0" anchor="ctr"/>
+          <a:lstStyle/>
+          <a:p>
+            <a:pPr algn="ctr"/>
+            <a:r>
+              <a:rPr lang="fr-FR" dirty="0"/>
+              <a:t>3</a:t>
+            </a:r>
+          </a:p>
+        </p:txBody>
+      </p:sp>
     </p:spTree>
     <p:extLst>
       <p:ext uri="{BB962C8B-B14F-4D97-AF65-F5344CB8AC3E}">
-        <p14:creationId xmlns:p14="http://schemas.microsoft.com/office/powerpoint/2010/main" val="2296378639"/>
+        <p14:creationId xmlns:p14="http://schemas.microsoft.com/office/powerpoint/2010/main" val="4213972457"/>
       </p:ext>
     </p:extLst>
   </p:cSld>
@@ -6976,7 +7376,7 @@
           <p:cNvPr id="2" name="Titre 1">
             <a:extLst>
               <a:ext uri="{FF2B5EF4-FFF2-40B4-BE49-F238E27FC236}">
-                <a16:creationId xmlns:a16="http://schemas.microsoft.com/office/drawing/2014/main" id="{BCEA0EC9-1F97-45B2-8772-5C7CFC031B1E}"/>
+                <a16:creationId xmlns:a16="http://schemas.microsoft.com/office/drawing/2014/main" xmlns="" id="{3098B0C5-8C15-46E8-937C-54399DB05580}"/>
               </a:ext>
             </a:extLst>
           </p:cNvPr>
@@ -6994,91 +7394,91 @@
           <a:p>
             <a:r>
               <a:rPr lang="fr-FR" dirty="0"/>
-              <a:t>Axes d’amélioration</a:t>
-            </a:r>
-          </a:p>
-        </p:txBody>
-      </p:sp>
-      <p:sp>
-        <p:nvSpPr>
-          <p:cNvPr id="3" name="Espace réservé du contenu 2">
+              <a:t>Prise de photo avec </a:t>
+            </a:r>
+            <a:r>
+              <a:rPr lang="fr-FR" dirty="0" err="1"/>
+              <a:t>Naoqi</a:t>
+            </a:r>
+            <a:endParaRPr lang="fr-FR" dirty="0"/>
+          </a:p>
+        </p:txBody>
+      </p:sp>
+      <p:pic>
+        <p:nvPicPr>
+          <p:cNvPr id="4" name="Picture 2" descr="Aucune description disponible.">
             <a:extLst>
               <a:ext uri="{FF2B5EF4-FFF2-40B4-BE49-F238E27FC236}">
-                <a16:creationId xmlns:a16="http://schemas.microsoft.com/office/drawing/2014/main" id="{1C161A00-7E3E-4148-8197-DC6DC601C84B}"/>
+                <a16:creationId xmlns:a16="http://schemas.microsoft.com/office/drawing/2014/main" xmlns="" id="{E281E3DB-DB7F-4D30-A23A-0E934B448B44}"/>
               </a:ext>
             </a:extLst>
           </p:cNvPr>
-          <p:cNvSpPr>
-            <a:spLocks noGrp="1"/>
-          </p:cNvSpPr>
+          <p:cNvPicPr>
+            <a:picLocks noGrp="1" noChangeAspect="1" noChangeArrowheads="1"/>
+          </p:cNvPicPr>
           <p:nvPr>
             <p:ph idx="1"/>
           </p:nvPr>
-        </p:nvSpPr>
-        <p:spPr/>
-        <p:txBody>
-          <a:bodyPr/>
-          <a:lstStyle/>
-          <a:p>
-            <a:r>
-              <a:rPr lang="fr-FR" dirty="0"/>
-              <a:t>Importation du client sur </a:t>
-            </a:r>
-            <a:r>
-              <a:rPr lang="fr-FR" i="1" dirty="0"/>
-              <a:t>ESP32</a:t>
-            </a:r>
-            <a:r>
-              <a:rPr lang="fr-FR" dirty="0"/>
-              <a:t> pour un fonctionnement embarqué</a:t>
-            </a:r>
-          </a:p>
-          <a:p>
-            <a:r>
-              <a:rPr lang="fr-FR" dirty="0"/>
-              <a:t>Rajout d’un lien fixe </a:t>
-            </a:r>
-            <a:r>
-              <a:rPr lang="fr-FR" i="1" dirty="0" err="1"/>
-              <a:t>ngrok</a:t>
-            </a:r>
-            <a:r>
-              <a:rPr lang="fr-FR" i="1" dirty="0"/>
-              <a:t> </a:t>
-            </a:r>
-            <a:r>
-              <a:rPr lang="fr-FR" dirty="0"/>
-              <a:t>pour une application plus autonome</a:t>
-            </a:r>
-          </a:p>
-          <a:p>
-            <a:r>
-              <a:rPr lang="fr-FR" dirty="0"/>
-              <a:t>Importation du client sur le robot </a:t>
-            </a:r>
-            <a:r>
-              <a:rPr lang="fr-FR" i="1" dirty="0"/>
-              <a:t>Pepper</a:t>
-            </a:r>
-          </a:p>
-          <a:p>
-            <a:r>
-              <a:rPr lang="fr-FR" dirty="0"/>
-              <a:t>Création d’une liste de courses automatique</a:t>
-            </a:r>
-          </a:p>
-          <a:p>
-            <a:r>
-              <a:rPr lang="fr-FR" dirty="0"/>
-              <a:t>Implémentation ROS</a:t>
-            </a:r>
-          </a:p>
-        </p:txBody>
-      </p:sp>
+        </p:nvPicPr>
+        <p:blipFill rotWithShape="1">
+          <a:blip r:embed="rId2">
+            <a:extLst>
+              <a:ext uri="{28A0092B-C50C-407E-A947-70E740481C1C}">
+                <a14:useLocalDpi xmlns:a14="http://schemas.microsoft.com/office/drawing/2010/main" val="0"/>
+              </a:ext>
+            </a:extLst>
+          </a:blip>
+          <a:srcRect b="26850"/>
+          <a:stretch/>
+        </p:blipFill>
+        <p:spPr bwMode="auto">
+          <a:xfrm>
+            <a:off x="1371600" y="2708267"/>
+            <a:ext cx="6479059" cy="3554547"/>
+          </a:xfrm>
+          <a:prstGeom prst="rect">
+            <a:avLst/>
+          </a:prstGeom>
+          <a:noFill/>
+          <a:extLst>
+            <a:ext uri="{909E8E84-426E-40DD-AFC4-6F175D3DCCD1}">
+              <a14:hiddenFill xmlns:a14="http://schemas.microsoft.com/office/drawing/2010/main">
+                <a:solidFill>
+                  <a:srgbClr val="FFFFFF"/>
+                </a:solidFill>
+              </a14:hiddenFill>
+            </a:ext>
+          </a:extLst>
+        </p:spPr>
+      </p:pic>
+      <p:pic>
+        <p:nvPicPr>
+          <p:cNvPr id="3" name="Image 2"/>
+          <p:cNvPicPr>
+            <a:picLocks noChangeAspect="1"/>
+          </p:cNvPicPr>
+          <p:nvPr/>
+        </p:nvPicPr>
+        <p:blipFill>
+          <a:blip r:embed="rId3"/>
+          <a:stretch>
+            <a:fillRect/>
+          </a:stretch>
+        </p:blipFill>
+        <p:spPr>
+          <a:xfrm>
+            <a:off x="1371600" y="1581804"/>
+            <a:ext cx="6410325" cy="838200"/>
+          </a:xfrm>
+          <a:prstGeom prst="rect">
+            <a:avLst/>
+          </a:prstGeom>
+        </p:spPr>
+      </p:pic>
     </p:spTree>
     <p:extLst>
       <p:ext uri="{BB962C8B-B14F-4D97-AF65-F5344CB8AC3E}">
-        <p14:creationId xmlns:p14="http://schemas.microsoft.com/office/powerpoint/2010/main" val="3366247702"/>
+        <p14:creationId xmlns:p14="http://schemas.microsoft.com/office/powerpoint/2010/main" val="350534395"/>
       </p:ext>
     </p:extLst>
   </p:cSld>
@@ -7110,7 +7510,7 @@
           <p:cNvPr id="2" name="Titre 1">
             <a:extLst>
               <a:ext uri="{FF2B5EF4-FFF2-40B4-BE49-F238E27FC236}">
-                <a16:creationId xmlns:a16="http://schemas.microsoft.com/office/drawing/2014/main" id="{F25798DD-C6E0-4AC0-94E4-15E620AD48A1}"/>
+                <a16:creationId xmlns:a16="http://schemas.microsoft.com/office/drawing/2014/main" xmlns="" id="{F25798DD-C6E0-4AC0-94E4-15E620AD48A1}"/>
               </a:ext>
             </a:extLst>
           </p:cNvPr>
@@ -7144,6 +7544,10 @@
             <a:br>
               <a:rPr lang="fr-FR" sz="2400" dirty="0"/>
             </a:br>
+            <a:r>
+              <a:rPr lang="fr-FR" sz="2400" dirty="0"/>
+              <a:t/>
+            </a:r>
             <a:br>
               <a:rPr lang="fr-FR" sz="2400" dirty="0"/>
             </a:br>
@@ -7163,7 +7567,7 @@
           <p:cNvPr id="4" name="Rectangle 3">
             <a:extLst>
               <a:ext uri="{FF2B5EF4-FFF2-40B4-BE49-F238E27FC236}">
-                <a16:creationId xmlns:a16="http://schemas.microsoft.com/office/drawing/2014/main" id="{9056A381-E8A6-4444-838A-ABDF76605909}"/>
+                <a16:creationId xmlns:a16="http://schemas.microsoft.com/office/drawing/2014/main" xmlns="" id="{9056A381-E8A6-4444-838A-ABDF76605909}"/>
               </a:ext>
             </a:extLst>
           </p:cNvPr>
@@ -7209,7 +7613,7 @@
           <p:cNvPr id="5" name="Rectangle 4">
             <a:extLst>
               <a:ext uri="{FF2B5EF4-FFF2-40B4-BE49-F238E27FC236}">
-                <a16:creationId xmlns:a16="http://schemas.microsoft.com/office/drawing/2014/main" id="{388EADD1-939D-4184-A4AC-1BED9C35428E}"/>
+                <a16:creationId xmlns:a16="http://schemas.microsoft.com/office/drawing/2014/main" xmlns="" id="{388EADD1-939D-4184-A4AC-1BED9C35428E}"/>
               </a:ext>
             </a:extLst>
           </p:cNvPr>
@@ -7255,7 +7659,7 @@
           <p:cNvPr id="9" name="Connecteur droit avec flèche 8">
             <a:extLst>
               <a:ext uri="{FF2B5EF4-FFF2-40B4-BE49-F238E27FC236}">
-                <a16:creationId xmlns:a16="http://schemas.microsoft.com/office/drawing/2014/main" id="{9DD1D5B4-6B6A-4D6A-8019-F1A64C0B60A0}"/>
+                <a16:creationId xmlns:a16="http://schemas.microsoft.com/office/drawing/2014/main" xmlns="" id="{9DD1D5B4-6B6A-4D6A-8019-F1A64C0B60A0}"/>
               </a:ext>
             </a:extLst>
           </p:cNvPr>
@@ -7297,7 +7701,7 @@
           <p:cNvPr id="10" name="Connecteur droit avec flèche 9">
             <a:extLst>
               <a:ext uri="{FF2B5EF4-FFF2-40B4-BE49-F238E27FC236}">
-                <a16:creationId xmlns:a16="http://schemas.microsoft.com/office/drawing/2014/main" id="{E5DA894E-1450-410C-8DD6-C17E83A9AEA9}"/>
+                <a16:creationId xmlns:a16="http://schemas.microsoft.com/office/drawing/2014/main" xmlns="" id="{E5DA894E-1450-410C-8DD6-C17E83A9AEA9}"/>
               </a:ext>
             </a:extLst>
           </p:cNvPr>
@@ -7341,7 +7745,7 @@
           <p:cNvPr id="15" name="ZoneTexte 14">
             <a:extLst>
               <a:ext uri="{FF2B5EF4-FFF2-40B4-BE49-F238E27FC236}">
-                <a16:creationId xmlns:a16="http://schemas.microsoft.com/office/drawing/2014/main" id="{A5297C95-ED3A-4098-A7CF-8EC3BEB253E0}"/>
+                <a16:creationId xmlns:a16="http://schemas.microsoft.com/office/drawing/2014/main" xmlns="" id="{A5297C95-ED3A-4098-A7CF-8EC3BEB253E0}"/>
               </a:ext>
             </a:extLst>
           </p:cNvPr>
@@ -7377,7 +7781,7 @@
           <p:cNvPr id="16" name="ZoneTexte 15">
             <a:extLst>
               <a:ext uri="{FF2B5EF4-FFF2-40B4-BE49-F238E27FC236}">
-                <a16:creationId xmlns:a16="http://schemas.microsoft.com/office/drawing/2014/main" id="{7CBF74BF-2EE4-4CAB-A2E9-BDB2DC9BB5EC}"/>
+                <a16:creationId xmlns:a16="http://schemas.microsoft.com/office/drawing/2014/main" xmlns="" id="{7CBF74BF-2EE4-4CAB-A2E9-BDB2DC9BB5EC}"/>
               </a:ext>
             </a:extLst>
           </p:cNvPr>
@@ -7413,7 +7817,7 @@
           <p:cNvPr id="17" name="ZoneTexte 16">
             <a:extLst>
               <a:ext uri="{FF2B5EF4-FFF2-40B4-BE49-F238E27FC236}">
-                <a16:creationId xmlns:a16="http://schemas.microsoft.com/office/drawing/2014/main" id="{0FA5457D-094F-4BD9-870C-9C81037B8BF1}"/>
+                <a16:creationId xmlns:a16="http://schemas.microsoft.com/office/drawing/2014/main" xmlns="" id="{0FA5457D-094F-4BD9-870C-9C81037B8BF1}"/>
               </a:ext>
             </a:extLst>
           </p:cNvPr>
@@ -7449,7 +7853,7 @@
           <p:cNvPr id="18" name="ZoneTexte 17">
             <a:extLst>
               <a:ext uri="{FF2B5EF4-FFF2-40B4-BE49-F238E27FC236}">
-                <a16:creationId xmlns:a16="http://schemas.microsoft.com/office/drawing/2014/main" id="{D443201B-0D23-4FE2-B332-C913BB2639B2}"/>
+                <a16:creationId xmlns:a16="http://schemas.microsoft.com/office/drawing/2014/main" xmlns="" id="{D443201B-0D23-4FE2-B332-C913BB2639B2}"/>
               </a:ext>
             </a:extLst>
           </p:cNvPr>
@@ -7485,7 +7889,7 @@
           <p:cNvPr id="19" name="Flèche : courbe vers la gauche 18">
             <a:extLst>
               <a:ext uri="{FF2B5EF4-FFF2-40B4-BE49-F238E27FC236}">
-                <a16:creationId xmlns:a16="http://schemas.microsoft.com/office/drawing/2014/main" id="{4B8B1270-AAF1-4821-A7AC-7E1068FB9729}"/>
+                <a16:creationId xmlns:a16="http://schemas.microsoft.com/office/drawing/2014/main" xmlns="" id="{4B8B1270-AAF1-4821-A7AC-7E1068FB9729}"/>
               </a:ext>
             </a:extLst>
           </p:cNvPr>
@@ -7535,7 +7939,7 @@
           <p:cNvPr id="20" name="ZoneTexte 19">
             <a:extLst>
               <a:ext uri="{FF2B5EF4-FFF2-40B4-BE49-F238E27FC236}">
-                <a16:creationId xmlns:a16="http://schemas.microsoft.com/office/drawing/2014/main" id="{0D32E138-4B9E-41FA-9D05-D3BA7B83A586}"/>
+                <a16:creationId xmlns:a16="http://schemas.microsoft.com/office/drawing/2014/main" xmlns="" id="{0D32E138-4B9E-41FA-9D05-D3BA7B83A586}"/>
               </a:ext>
             </a:extLst>
           </p:cNvPr>
@@ -7570,7 +7974,7 @@
           <p:cNvPr id="21" name="ZoneTexte 20">
             <a:extLst>
               <a:ext uri="{FF2B5EF4-FFF2-40B4-BE49-F238E27FC236}">
-                <a16:creationId xmlns:a16="http://schemas.microsoft.com/office/drawing/2014/main" id="{60DF1A3B-9CE4-4025-B7EA-A52AA889FDBE}"/>
+                <a16:creationId xmlns:a16="http://schemas.microsoft.com/office/drawing/2014/main" xmlns="" id="{60DF1A3B-9CE4-4025-B7EA-A52AA889FDBE}"/>
               </a:ext>
             </a:extLst>
           </p:cNvPr>
@@ -7650,12 +8054,73 @@
           <a:chExt cx="0" cy="0"/>
         </a:xfrm>
       </p:grpSpPr>
+      <p:graphicFrame>
+        <p:nvGraphicFramePr>
+          <p:cNvPr id="7" name="Espace réservé du contenu 6">
+            <a:extLst>
+              <a:ext uri="{FF2B5EF4-FFF2-40B4-BE49-F238E27FC236}">
+                <a16:creationId xmlns:a16="http://schemas.microsoft.com/office/drawing/2014/main" xmlns="" id="{F1213A7F-45FF-4824-9F58-A4E39CD28092}"/>
+              </a:ext>
+            </a:extLst>
+          </p:cNvPr>
+          <p:cNvGraphicFramePr>
+            <a:graphicFrameLocks noGrp="1"/>
+          </p:cNvGraphicFramePr>
+          <p:nvPr>
+            <p:ph idx="1"/>
+            <p:extLst>
+              <p:ext uri="{D42A27DB-BD31-4B8C-83A1-F6EECF244321}">
+                <p14:modId xmlns:p14="http://schemas.microsoft.com/office/powerpoint/2010/main" val="3343037544"/>
+              </p:ext>
+            </p:extLst>
+          </p:nvPr>
+        </p:nvGraphicFramePr>
+        <p:xfrm>
+          <a:off x="2271841" y="562490"/>
+          <a:ext cx="8296275" cy="6353175"/>
+        </p:xfrm>
+        <a:graphic>
+          <a:graphicData uri="http://schemas.openxmlformats.org/drawingml/2006/chart">
+            <c:chart xmlns:c="http://schemas.openxmlformats.org/drawingml/2006/chart" xmlns:r="http://schemas.openxmlformats.org/officeDocument/2006/relationships" r:id="rId2"/>
+          </a:graphicData>
+        </a:graphic>
+      </p:graphicFrame>
+    </p:spTree>
+    <p:extLst>
+      <p:ext uri="{BB962C8B-B14F-4D97-AF65-F5344CB8AC3E}">
+        <p14:creationId xmlns:p14="http://schemas.microsoft.com/office/powerpoint/2010/main" val="2296378639"/>
+      </p:ext>
+    </p:extLst>
+  </p:cSld>
+  <p:clrMapOvr>
+    <a:masterClrMapping/>
+  </p:clrMapOvr>
+</p:sld>
+</file>
+
+<file path=ppt/slides/slide21.xml><?xml version="1.0" encoding="utf-8"?>
+<p:sld xmlns:a="http://schemas.openxmlformats.org/drawingml/2006/main" xmlns:r="http://schemas.openxmlformats.org/officeDocument/2006/relationships" xmlns:p="http://schemas.openxmlformats.org/presentationml/2006/main">
+  <p:cSld>
+    <p:spTree>
+      <p:nvGrpSpPr>
+        <p:cNvPr id="1" name=""/>
+        <p:cNvGrpSpPr/>
+        <p:nvPr/>
+      </p:nvGrpSpPr>
+      <p:grpSpPr>
+        <a:xfrm>
+          <a:off x="0" y="0"/>
+          <a:ext cx="0" cy="0"/>
+          <a:chOff x="0" y="0"/>
+          <a:chExt cx="0" cy="0"/>
+        </a:xfrm>
+      </p:grpSpPr>
       <p:sp>
         <p:nvSpPr>
           <p:cNvPr id="2" name="Titre 1">
             <a:extLst>
               <a:ext uri="{FF2B5EF4-FFF2-40B4-BE49-F238E27FC236}">
-                <a16:creationId xmlns:a16="http://schemas.microsoft.com/office/drawing/2014/main" id="{E75EE9AF-908F-41E5-9583-6BEA022C4761}"/>
+                <a16:creationId xmlns:a16="http://schemas.microsoft.com/office/drawing/2014/main" xmlns="" id="{BCEA0EC9-1F97-45B2-8772-5C7CFC031B1E}"/>
               </a:ext>
             </a:extLst>
           </p:cNvPr>
@@ -7672,6 +8137,140 @@
           <a:lstStyle/>
           <a:p>
             <a:r>
+              <a:rPr lang="fr-FR" dirty="0"/>
+              <a:t>Axes d’amélioration</a:t>
+            </a:r>
+          </a:p>
+        </p:txBody>
+      </p:sp>
+      <p:sp>
+        <p:nvSpPr>
+          <p:cNvPr id="3" name="Espace réservé du contenu 2">
+            <a:extLst>
+              <a:ext uri="{FF2B5EF4-FFF2-40B4-BE49-F238E27FC236}">
+                <a16:creationId xmlns:a16="http://schemas.microsoft.com/office/drawing/2014/main" xmlns="" id="{1C161A00-7E3E-4148-8197-DC6DC601C84B}"/>
+              </a:ext>
+            </a:extLst>
+          </p:cNvPr>
+          <p:cNvSpPr>
+            <a:spLocks noGrp="1"/>
+          </p:cNvSpPr>
+          <p:nvPr>
+            <p:ph idx="1"/>
+          </p:nvPr>
+        </p:nvSpPr>
+        <p:spPr/>
+        <p:txBody>
+          <a:bodyPr/>
+          <a:lstStyle/>
+          <a:p>
+            <a:r>
+              <a:rPr lang="fr-FR" dirty="0"/>
+              <a:t>Importation du client sur </a:t>
+            </a:r>
+            <a:r>
+              <a:rPr lang="fr-FR" i="1" dirty="0"/>
+              <a:t>ESP32</a:t>
+            </a:r>
+            <a:r>
+              <a:rPr lang="fr-FR" dirty="0"/>
+              <a:t> pour un fonctionnement embarqué</a:t>
+            </a:r>
+          </a:p>
+          <a:p>
+            <a:r>
+              <a:rPr lang="fr-FR" dirty="0"/>
+              <a:t>Rajout d’un lien fixe </a:t>
+            </a:r>
+            <a:r>
+              <a:rPr lang="fr-FR" i="1" dirty="0" err="1"/>
+              <a:t>ngrok</a:t>
+            </a:r>
+            <a:r>
+              <a:rPr lang="fr-FR" i="1" dirty="0"/>
+              <a:t> </a:t>
+            </a:r>
+            <a:r>
+              <a:rPr lang="fr-FR" dirty="0"/>
+              <a:t>pour une application plus autonome</a:t>
+            </a:r>
+          </a:p>
+          <a:p>
+            <a:r>
+              <a:rPr lang="fr-FR" dirty="0"/>
+              <a:t>Importation du client sur le robot </a:t>
+            </a:r>
+            <a:r>
+              <a:rPr lang="fr-FR" i="1" dirty="0"/>
+              <a:t>Pepper</a:t>
+            </a:r>
+          </a:p>
+          <a:p>
+            <a:r>
+              <a:rPr lang="fr-FR" dirty="0"/>
+              <a:t>Création d’une liste de courses automatique</a:t>
+            </a:r>
+          </a:p>
+          <a:p>
+            <a:r>
+              <a:rPr lang="fr-FR" dirty="0"/>
+              <a:t>Implémentation ROS</a:t>
+            </a:r>
+          </a:p>
+        </p:txBody>
+      </p:sp>
+    </p:spTree>
+    <p:extLst>
+      <p:ext uri="{BB962C8B-B14F-4D97-AF65-F5344CB8AC3E}">
+        <p14:creationId xmlns:p14="http://schemas.microsoft.com/office/powerpoint/2010/main" val="3366247702"/>
+      </p:ext>
+    </p:extLst>
+  </p:cSld>
+  <p:clrMapOvr>
+    <a:masterClrMapping/>
+  </p:clrMapOvr>
+</p:sld>
+</file>
+
+<file path=ppt/slides/slide22.xml><?xml version="1.0" encoding="utf-8"?>
+<p:sld xmlns:a="http://schemas.openxmlformats.org/drawingml/2006/main" xmlns:r="http://schemas.openxmlformats.org/officeDocument/2006/relationships" xmlns:p="http://schemas.openxmlformats.org/presentationml/2006/main">
+  <p:cSld>
+    <p:spTree>
+      <p:nvGrpSpPr>
+        <p:cNvPr id="1" name=""/>
+        <p:cNvGrpSpPr/>
+        <p:nvPr/>
+      </p:nvGrpSpPr>
+      <p:grpSpPr>
+        <a:xfrm>
+          <a:off x="0" y="0"/>
+          <a:ext cx="0" cy="0"/>
+          <a:chOff x="0" y="0"/>
+          <a:chExt cx="0" cy="0"/>
+        </a:xfrm>
+      </p:grpSpPr>
+      <p:sp>
+        <p:nvSpPr>
+          <p:cNvPr id="2" name="Titre 1">
+            <a:extLst>
+              <a:ext uri="{FF2B5EF4-FFF2-40B4-BE49-F238E27FC236}">
+                <a16:creationId xmlns:a16="http://schemas.microsoft.com/office/drawing/2014/main" xmlns="" id="{E75EE9AF-908F-41E5-9583-6BEA022C4761}"/>
+              </a:ext>
+            </a:extLst>
+          </p:cNvPr>
+          <p:cNvSpPr>
+            <a:spLocks noGrp="1"/>
+          </p:cNvSpPr>
+          <p:nvPr>
+            <p:ph type="title"/>
+          </p:nvPr>
+        </p:nvSpPr>
+        <p:spPr/>
+        <p:txBody>
+          <a:bodyPr/>
+          <a:lstStyle/>
+          <a:p>
+            <a:r>
               <a:rPr lang="fr-FR" sz="7200" dirty="0"/>
               <a:t>Merci</a:t>
             </a:r>
@@ -7684,7 +8283,7 @@
           <p:cNvPr id="3" name="Espace réservé du texte 2">
             <a:extLst>
               <a:ext uri="{FF2B5EF4-FFF2-40B4-BE49-F238E27FC236}">
-                <a16:creationId xmlns:a16="http://schemas.microsoft.com/office/drawing/2014/main" id="{64609C06-3B34-443C-B861-6494740FA767}"/>
+                <a16:creationId xmlns:a16="http://schemas.microsoft.com/office/drawing/2014/main" xmlns="" id="{64609C06-3B34-443C-B861-6494740FA767}"/>
               </a:ext>
             </a:extLst>
           </p:cNvPr>
@@ -7768,7 +8367,7 @@
           <p:cNvPr id="2" name="Titre 1">
             <a:extLst>
               <a:ext uri="{FF2B5EF4-FFF2-40B4-BE49-F238E27FC236}">
-                <a16:creationId xmlns:a16="http://schemas.microsoft.com/office/drawing/2014/main" id="{E8934995-C03D-4ECF-A381-0D6F3726FA5D}"/>
+                <a16:creationId xmlns:a16="http://schemas.microsoft.com/office/drawing/2014/main" xmlns="" id="{E8934995-C03D-4ECF-A381-0D6F3726FA5D}"/>
               </a:ext>
             </a:extLst>
           </p:cNvPr>
@@ -7810,7 +8409,7 @@
           <p:cNvPr id="4" name="ZoneTexte 3">
             <a:extLst>
               <a:ext uri="{FF2B5EF4-FFF2-40B4-BE49-F238E27FC236}">
-                <a16:creationId xmlns:a16="http://schemas.microsoft.com/office/drawing/2014/main" id="{5DE2B0A9-6601-4484-8038-8D8BD4069EC1}"/>
+                <a16:creationId xmlns:a16="http://schemas.microsoft.com/office/drawing/2014/main" xmlns="" id="{5DE2B0A9-6601-4484-8038-8D8BD4069EC1}"/>
               </a:ext>
             </a:extLst>
           </p:cNvPr>
@@ -7876,7 +8475,7 @@
           <p:cNvPr id="5" name="ZoneTexte 4">
             <a:extLst>
               <a:ext uri="{FF2B5EF4-FFF2-40B4-BE49-F238E27FC236}">
-                <a16:creationId xmlns:a16="http://schemas.microsoft.com/office/drawing/2014/main" id="{153ABBB2-0597-42E3-A71D-A5BFEB5B9E33}"/>
+                <a16:creationId xmlns:a16="http://schemas.microsoft.com/office/drawing/2014/main" xmlns="" id="{153ABBB2-0597-42E3-A71D-A5BFEB5B9E33}"/>
               </a:ext>
             </a:extLst>
           </p:cNvPr>
@@ -7938,7 +8537,7 @@
           <p:cNvPr id="1026" name="Picture 2" descr="Google Colab : Le guide Ultime | Le Data Scientist">
             <a:extLst>
               <a:ext uri="{FF2B5EF4-FFF2-40B4-BE49-F238E27FC236}">
-                <a16:creationId xmlns:a16="http://schemas.microsoft.com/office/drawing/2014/main" id="{CC04B7ED-29AA-4E3A-8D3C-C468843BFD96}"/>
+                <a16:creationId xmlns:a16="http://schemas.microsoft.com/office/drawing/2014/main" xmlns="" id="{CC04B7ED-29AA-4E3A-8D3C-C468843BFD96}"/>
               </a:ext>
             </a:extLst>
           </p:cNvPr>
@@ -7985,7 +8584,7 @@
           <p:cNvPr id="7" name="Image 6">
             <a:extLst>
               <a:ext uri="{FF2B5EF4-FFF2-40B4-BE49-F238E27FC236}">
-                <a16:creationId xmlns:a16="http://schemas.microsoft.com/office/drawing/2014/main" id="{B528C270-BC32-404E-B447-A31FA96DCD85}"/>
+                <a16:creationId xmlns:a16="http://schemas.microsoft.com/office/drawing/2014/main" xmlns="" id="{B528C270-BC32-404E-B447-A31FA96DCD85}"/>
               </a:ext>
             </a:extLst>
           </p:cNvPr>
@@ -8045,7 +8644,7 @@
           <p:cNvPr id="2" name="Titre 1">
             <a:extLst>
               <a:ext uri="{FF2B5EF4-FFF2-40B4-BE49-F238E27FC236}">
-                <a16:creationId xmlns:a16="http://schemas.microsoft.com/office/drawing/2014/main" id="{49F0F456-027A-4630-9C5C-B0A390E11CDF}"/>
+                <a16:creationId xmlns:a16="http://schemas.microsoft.com/office/drawing/2014/main" xmlns="" id="{49F0F456-027A-4630-9C5C-B0A390E11CDF}"/>
               </a:ext>
             </a:extLst>
           </p:cNvPr>
@@ -8078,7 +8677,7 @@
           <p:cNvPr id="4" name="ZoneTexte 3">
             <a:extLst>
               <a:ext uri="{FF2B5EF4-FFF2-40B4-BE49-F238E27FC236}">
-                <a16:creationId xmlns:a16="http://schemas.microsoft.com/office/drawing/2014/main" id="{356519AB-3390-4BDA-ACAB-91ACE29DBFEC}"/>
+                <a16:creationId xmlns:a16="http://schemas.microsoft.com/office/drawing/2014/main" xmlns="" id="{356519AB-3390-4BDA-ACAB-91ACE29DBFEC}"/>
               </a:ext>
             </a:extLst>
           </p:cNvPr>
@@ -8119,7 +8718,7 @@
           <p:cNvPr id="6" name="Image 5">
             <a:extLst>
               <a:ext uri="{FF2B5EF4-FFF2-40B4-BE49-F238E27FC236}">
-                <a16:creationId xmlns:a16="http://schemas.microsoft.com/office/drawing/2014/main" id="{80C2A7FD-FDAD-41CA-899E-B59E3DA5F5D7}"/>
+                <a16:creationId xmlns:a16="http://schemas.microsoft.com/office/drawing/2014/main" xmlns="" id="{80C2A7FD-FDAD-41CA-899E-B59E3DA5F5D7}"/>
               </a:ext>
             </a:extLst>
           </p:cNvPr>
@@ -8149,7 +8748,7 @@
           <p:cNvPr id="8" name="Image 7">
             <a:extLst>
               <a:ext uri="{FF2B5EF4-FFF2-40B4-BE49-F238E27FC236}">
-                <a16:creationId xmlns:a16="http://schemas.microsoft.com/office/drawing/2014/main" id="{C2091422-23A6-4395-9715-5E48DBE00B2D}"/>
+                <a16:creationId xmlns:a16="http://schemas.microsoft.com/office/drawing/2014/main" xmlns="" id="{C2091422-23A6-4395-9715-5E48DBE00B2D}"/>
               </a:ext>
             </a:extLst>
           </p:cNvPr>
@@ -8179,7 +8778,7 @@
           <p:cNvPr id="9" name="ZoneTexte 8">
             <a:extLst>
               <a:ext uri="{FF2B5EF4-FFF2-40B4-BE49-F238E27FC236}">
-                <a16:creationId xmlns:a16="http://schemas.microsoft.com/office/drawing/2014/main" id="{1ADA4FF3-D5CB-4DA1-94C4-0D18064FC4DA}"/>
+                <a16:creationId xmlns:a16="http://schemas.microsoft.com/office/drawing/2014/main" xmlns="" id="{1ADA4FF3-D5CB-4DA1-94C4-0D18064FC4DA}"/>
               </a:ext>
             </a:extLst>
           </p:cNvPr>
@@ -8243,7 +8842,7 @@
           <p:cNvPr id="11" name="Image 10">
             <a:extLst>
               <a:ext uri="{FF2B5EF4-FFF2-40B4-BE49-F238E27FC236}">
-                <a16:creationId xmlns:a16="http://schemas.microsoft.com/office/drawing/2014/main" id="{413F1CE1-98BC-4DE3-BA8D-05605609D866}"/>
+                <a16:creationId xmlns:a16="http://schemas.microsoft.com/office/drawing/2014/main" xmlns="" id="{413F1CE1-98BC-4DE3-BA8D-05605609D866}"/>
               </a:ext>
             </a:extLst>
           </p:cNvPr>
@@ -8303,7 +8902,7 @@
           <p:cNvPr id="2" name="Titre 1">
             <a:extLst>
               <a:ext uri="{FF2B5EF4-FFF2-40B4-BE49-F238E27FC236}">
-                <a16:creationId xmlns:a16="http://schemas.microsoft.com/office/drawing/2014/main" id="{81D8DE92-40AB-48B0-B01E-52E6F92D30AF}"/>
+                <a16:creationId xmlns:a16="http://schemas.microsoft.com/office/drawing/2014/main" xmlns="" id="{81D8DE92-40AB-48B0-B01E-52E6F92D30AF}"/>
               </a:ext>
             </a:extLst>
           </p:cNvPr>
@@ -8336,7 +8935,7 @@
           <p:cNvPr id="4" name="ZoneTexte 3">
             <a:extLst>
               <a:ext uri="{FF2B5EF4-FFF2-40B4-BE49-F238E27FC236}">
-                <a16:creationId xmlns:a16="http://schemas.microsoft.com/office/drawing/2014/main" id="{653F38A6-5304-4D5B-9272-92B9536C16B2}"/>
+                <a16:creationId xmlns:a16="http://schemas.microsoft.com/office/drawing/2014/main" xmlns="" id="{653F38A6-5304-4D5B-9272-92B9536C16B2}"/>
               </a:ext>
             </a:extLst>
           </p:cNvPr>
@@ -8433,7 +9032,7 @@
           <p:cNvPr id="2050" name="Picture 2">
             <a:extLst>
               <a:ext uri="{FF2B5EF4-FFF2-40B4-BE49-F238E27FC236}">
-                <a16:creationId xmlns:a16="http://schemas.microsoft.com/office/drawing/2014/main" id="{F4E83A91-EAE8-448F-BE64-9C3CC275D56B}"/>
+                <a16:creationId xmlns:a16="http://schemas.microsoft.com/office/drawing/2014/main" xmlns="" id="{F4E83A91-EAE8-448F-BE64-9C3CC275D56B}"/>
               </a:ext>
             </a:extLst>
           </p:cNvPr>
@@ -8510,7 +9109,7 @@
           <p:cNvPr id="2" name="Titre 1">
             <a:extLst>
               <a:ext uri="{FF2B5EF4-FFF2-40B4-BE49-F238E27FC236}">
-                <a16:creationId xmlns:a16="http://schemas.microsoft.com/office/drawing/2014/main" id="{095A6F14-8169-45B3-A7CD-5014AF98A3FB}"/>
+                <a16:creationId xmlns:a16="http://schemas.microsoft.com/office/drawing/2014/main" xmlns="" id="{095A6F14-8169-45B3-A7CD-5014AF98A3FB}"/>
               </a:ext>
             </a:extLst>
           </p:cNvPr>
@@ -8544,7 +9143,7 @@
           <p:cNvPr id="5" name="Image 4">
             <a:extLst>
               <a:ext uri="{FF2B5EF4-FFF2-40B4-BE49-F238E27FC236}">
-                <a16:creationId xmlns:a16="http://schemas.microsoft.com/office/drawing/2014/main" id="{A0454908-8661-4ED7-9349-641E83D4CD6E}"/>
+                <a16:creationId xmlns:a16="http://schemas.microsoft.com/office/drawing/2014/main" xmlns="" id="{A0454908-8661-4ED7-9349-641E83D4CD6E}"/>
               </a:ext>
             </a:extLst>
           </p:cNvPr>
@@ -8574,7 +9173,7 @@
           <p:cNvPr id="6" name="Flèche : pentagone 5">
             <a:extLst>
               <a:ext uri="{FF2B5EF4-FFF2-40B4-BE49-F238E27FC236}">
-                <a16:creationId xmlns:a16="http://schemas.microsoft.com/office/drawing/2014/main" id="{6AEE2CB4-3860-4903-8117-1356263C00EC}"/>
+                <a16:creationId xmlns:a16="http://schemas.microsoft.com/office/drawing/2014/main" xmlns="" id="{6AEE2CB4-3860-4903-8117-1356263C00EC}"/>
               </a:ext>
             </a:extLst>
           </p:cNvPr>
@@ -8620,7 +9219,7 @@
           <p:cNvPr id="3074" name="Picture 2" descr="🤯 Tête Qui Explose Emoji">
             <a:extLst>
               <a:ext uri="{FF2B5EF4-FFF2-40B4-BE49-F238E27FC236}">
-                <a16:creationId xmlns:a16="http://schemas.microsoft.com/office/drawing/2014/main" id="{C50AF69B-882A-462A-B19E-682EA8134F8B}"/>
+                <a16:creationId xmlns:a16="http://schemas.microsoft.com/office/drawing/2014/main" xmlns="" id="{C50AF69B-882A-462A-B19E-682EA8134F8B}"/>
               </a:ext>
             </a:extLst>
           </p:cNvPr>
@@ -8667,7 +9266,7 @@
           <p:cNvPr id="8" name="ZoneTexte 7">
             <a:extLst>
               <a:ext uri="{FF2B5EF4-FFF2-40B4-BE49-F238E27FC236}">
-                <a16:creationId xmlns:a16="http://schemas.microsoft.com/office/drawing/2014/main" id="{193E24B3-74AD-4060-9DE1-8822A74767A3}"/>
+                <a16:creationId xmlns:a16="http://schemas.microsoft.com/office/drawing/2014/main" xmlns="" id="{193E24B3-74AD-4060-9DE1-8822A74767A3}"/>
               </a:ext>
             </a:extLst>
           </p:cNvPr>
@@ -8744,7 +9343,7 @@
           <p:cNvPr id="10" name="Image 9">
             <a:extLst>
               <a:ext uri="{FF2B5EF4-FFF2-40B4-BE49-F238E27FC236}">
-                <a16:creationId xmlns:a16="http://schemas.microsoft.com/office/drawing/2014/main" id="{C5D45EE8-3079-4D9A-8FC4-237BBF45560E}"/>
+                <a16:creationId xmlns:a16="http://schemas.microsoft.com/office/drawing/2014/main" xmlns="" id="{C5D45EE8-3079-4D9A-8FC4-237BBF45560E}"/>
               </a:ext>
             </a:extLst>
           </p:cNvPr>
@@ -8774,7 +9373,7 @@
           <p:cNvPr id="11" name="ZoneTexte 10">
             <a:extLst>
               <a:ext uri="{FF2B5EF4-FFF2-40B4-BE49-F238E27FC236}">
-                <a16:creationId xmlns:a16="http://schemas.microsoft.com/office/drawing/2014/main" id="{D0C5153E-6BCF-4FE9-AB1E-3BD5BACB00F5}"/>
+                <a16:creationId xmlns:a16="http://schemas.microsoft.com/office/drawing/2014/main" xmlns="" id="{D0C5153E-6BCF-4FE9-AB1E-3BD5BACB00F5}"/>
               </a:ext>
             </a:extLst>
           </p:cNvPr>
@@ -8862,7 +9461,7 @@
           <p:cNvPr id="2" name="Titre 1">
             <a:extLst>
               <a:ext uri="{FF2B5EF4-FFF2-40B4-BE49-F238E27FC236}">
-                <a16:creationId xmlns:a16="http://schemas.microsoft.com/office/drawing/2014/main" id="{5FD7096D-35A0-43DA-82CA-E581B1F9B069}"/>
+                <a16:creationId xmlns:a16="http://schemas.microsoft.com/office/drawing/2014/main" xmlns="" id="{5FD7096D-35A0-43DA-82CA-E581B1F9B069}"/>
               </a:ext>
             </a:extLst>
           </p:cNvPr>
@@ -8904,6 +9503,10 @@
             <a:r>
               <a:rPr lang="fr-FR" sz="3600" dirty="0"/>
               <a:t>-native </a:t>
+            </a:r>
+            <a:r>
+              <a:rPr lang="fr-FR" dirty="0"/>
+              <a:t/>
             </a:r>
             <a:br>
               <a:rPr lang="fr-FR" dirty="0"/>
@@ -8947,7 +9550,7 @@
           <p:cNvPr id="2" name="Titre 1">
             <a:extLst>
               <a:ext uri="{FF2B5EF4-FFF2-40B4-BE49-F238E27FC236}">
-                <a16:creationId xmlns:a16="http://schemas.microsoft.com/office/drawing/2014/main" id="{234B717A-5F4F-4F43-9F14-584E3F847B60}"/>
+                <a16:creationId xmlns:a16="http://schemas.microsoft.com/office/drawing/2014/main" xmlns="" id="{234B717A-5F4F-4F43-9F14-584E3F847B60}"/>
               </a:ext>
             </a:extLst>
           </p:cNvPr>
@@ -8975,7 +9578,7 @@
           <p:cNvPr id="4" name="Image 3">
             <a:extLst>
               <a:ext uri="{FF2B5EF4-FFF2-40B4-BE49-F238E27FC236}">
-                <a16:creationId xmlns:a16="http://schemas.microsoft.com/office/drawing/2014/main" id="{6E850C39-2B84-4575-B215-541BE45A9CAC}"/>
+                <a16:creationId xmlns:a16="http://schemas.microsoft.com/office/drawing/2014/main" xmlns="" id="{6E850C39-2B84-4575-B215-541BE45A9CAC}"/>
               </a:ext>
             </a:extLst>
           </p:cNvPr>
@@ -9005,7 +9608,7 @@
           <p:cNvPr id="5" name="Picture 2" descr="Aucune description disponible.">
             <a:extLst>
               <a:ext uri="{FF2B5EF4-FFF2-40B4-BE49-F238E27FC236}">
-                <a16:creationId xmlns:a16="http://schemas.microsoft.com/office/drawing/2014/main" id="{0A4A0C32-F147-4A2D-A5FE-44D5D6E805F2}"/>
+                <a16:creationId xmlns:a16="http://schemas.microsoft.com/office/drawing/2014/main" xmlns="" id="{0A4A0C32-F147-4A2D-A5FE-44D5D6E805F2}"/>
               </a:ext>
             </a:extLst>
           </p:cNvPr>
@@ -9082,7 +9685,7 @@
           <p:cNvPr id="2" name="Titre 1">
             <a:extLst>
               <a:ext uri="{FF2B5EF4-FFF2-40B4-BE49-F238E27FC236}">
-                <a16:creationId xmlns:a16="http://schemas.microsoft.com/office/drawing/2014/main" id="{A94B858C-321D-4D7C-BB9F-89E044EE916D}"/>
+                <a16:creationId xmlns:a16="http://schemas.microsoft.com/office/drawing/2014/main" xmlns="" id="{A94B858C-321D-4D7C-BB9F-89E044EE916D}"/>
               </a:ext>
             </a:extLst>
           </p:cNvPr>
@@ -9110,7 +9713,7 @@
           <p:cNvPr id="4" name="Image 3">
             <a:extLst>
               <a:ext uri="{FF2B5EF4-FFF2-40B4-BE49-F238E27FC236}">
-                <a16:creationId xmlns:a16="http://schemas.microsoft.com/office/drawing/2014/main" id="{3623590D-97A9-4CCE-9067-1D9F673458DB}"/>
+                <a16:creationId xmlns:a16="http://schemas.microsoft.com/office/drawing/2014/main" xmlns="" id="{3623590D-97A9-4CCE-9067-1D9F673458DB}"/>
               </a:ext>
             </a:extLst>
           </p:cNvPr>
@@ -9140,7 +9743,7 @@
           <p:cNvPr id="5" name="Image 4">
             <a:extLst>
               <a:ext uri="{FF2B5EF4-FFF2-40B4-BE49-F238E27FC236}">
-                <a16:creationId xmlns:a16="http://schemas.microsoft.com/office/drawing/2014/main" id="{BAACD238-0A02-4362-8991-5344FCCD905A}"/>
+                <a16:creationId xmlns:a16="http://schemas.microsoft.com/office/drawing/2014/main" xmlns="" id="{BAACD238-0A02-4362-8991-5344FCCD905A}"/>
               </a:ext>
             </a:extLst>
           </p:cNvPr>
@@ -9170,7 +9773,7 @@
           <p:cNvPr id="6" name="Picture 6" descr="Aucune description disponible.">
             <a:extLst>
               <a:ext uri="{FF2B5EF4-FFF2-40B4-BE49-F238E27FC236}">
-                <a16:creationId xmlns:a16="http://schemas.microsoft.com/office/drawing/2014/main" id="{7854B56E-A998-49E8-9761-DB32A6A2ECCE}"/>
+                <a16:creationId xmlns:a16="http://schemas.microsoft.com/office/drawing/2014/main" xmlns="" id="{7854B56E-A998-49E8-9761-DB32A6A2ECCE}"/>
               </a:ext>
             </a:extLst>
           </p:cNvPr>
